--- a/HYT - UnitTest.pptx
+++ b/HYT - UnitTest.pptx
@@ -6,7 +6,7 @@
     <p:sldMasterId id="2147483665" r:id="rId2"/>
   </p:sldMasterIdLst>
   <p:notesMasterIdLst>
-    <p:notesMasterId r:id="rId15"/>
+    <p:notesMasterId r:id="rId18"/>
   </p:notesMasterIdLst>
   <p:sldIdLst>
     <p:sldId id="457" r:id="rId3"/>
@@ -17,10 +17,13 @@
     <p:sldId id="531" r:id="rId8"/>
     <p:sldId id="533" r:id="rId9"/>
     <p:sldId id="534" r:id="rId10"/>
-    <p:sldId id="536" r:id="rId11"/>
-    <p:sldId id="537" r:id="rId12"/>
-    <p:sldId id="538" r:id="rId13"/>
-    <p:sldId id="535" r:id="rId14"/>
+    <p:sldId id="541" r:id="rId11"/>
+    <p:sldId id="536" r:id="rId12"/>
+    <p:sldId id="537" r:id="rId13"/>
+    <p:sldId id="538" r:id="rId14"/>
+    <p:sldId id="535" r:id="rId15"/>
+    <p:sldId id="539" r:id="rId16"/>
+    <p:sldId id="540" r:id="rId17"/>
   </p:sldIdLst>
   <p:sldSz cx="9144000" cy="6858000" type="screen4x3"/>
   <p:notesSz cx="6858000" cy="9144000"/>
@@ -121,7 +124,7 @@
   </p:defaultTextStyle>
   <p:extLst>
     <p:ext uri="{EFAFB233-063F-42B5-8137-9DF3F51BA10A}">
-      <p15:sldGuideLst xmlns="" xmlns:p15="http://schemas.microsoft.com/office/powerpoint/2012/main">
+      <p15:sldGuideLst xmlns:p15="http://schemas.microsoft.com/office/powerpoint/2012/main" xmlns="">
         <p15:guide id="1" orient="horz" pos="2160">
           <p15:clr>
             <a:srgbClr val="A4A3A4"/>
@@ -221,7 +224,7 @@
             <a:fld id="{D58A632B-421F-4AEE-8E0F-5D15110A864B}" type="datetimeFigureOut">
               <a:rPr lang="zh-TW" altLang="en-US" smtClean="0"/>
               <a:pPr/>
-              <a:t>2015/8/11</a:t>
+              <a:t>15/8/14</a:t>
             </a:fld>
             <a:endParaRPr lang="zh-TW" altLang="en-US"/>
           </a:p>
@@ -1277,7 +1280,7 @@
             <a:fld id="{55BAC541-00CA-4482-9039-1FCA4BCF1C21}" type="datetimeFigureOut">
               <a:rPr lang="zh-TW" altLang="en-US" smtClean="0"/>
               <a:pPr/>
-              <a:t>2015/8/11</a:t>
+              <a:t>15/8/14</a:t>
             </a:fld>
             <a:endParaRPr lang="zh-TW" altLang="en-US"/>
           </a:p>
@@ -1399,7 +1402,7 @@
             <a:fld id="{55BAC541-00CA-4482-9039-1FCA4BCF1C21}" type="datetimeFigureOut">
               <a:rPr lang="zh-TW" altLang="en-US" smtClean="0"/>
               <a:pPr/>
-              <a:t>2015/8/11</a:t>
+              <a:t>15/8/14</a:t>
             </a:fld>
             <a:endParaRPr lang="zh-TW" altLang="en-US"/>
           </a:p>
@@ -1498,7 +1501,7 @@
             <a:fld id="{55BAC541-00CA-4482-9039-1FCA4BCF1C21}" type="datetimeFigureOut">
               <a:rPr lang="zh-TW" altLang="en-US" smtClean="0"/>
               <a:pPr/>
-              <a:t>2015/8/11</a:t>
+              <a:t>15/8/14</a:t>
             </a:fld>
             <a:endParaRPr lang="zh-TW" altLang="en-US"/>
           </a:p>
@@ -1779,7 +1782,7 @@
             <a:fld id="{55BAC541-00CA-4482-9039-1FCA4BCF1C21}" type="datetimeFigureOut">
               <a:rPr lang="zh-TW" altLang="en-US" smtClean="0"/>
               <a:pPr/>
-              <a:t>2015/8/11</a:t>
+              <a:t>15/8/14</a:t>
             </a:fld>
             <a:endParaRPr lang="zh-TW" altLang="en-US"/>
           </a:p>
@@ -2036,7 +2039,7 @@
             <a:fld id="{55BAC541-00CA-4482-9039-1FCA4BCF1C21}" type="datetimeFigureOut">
               <a:rPr lang="zh-TW" altLang="en-US" smtClean="0"/>
               <a:pPr/>
-              <a:t>2015/8/11</a:t>
+              <a:t>15/8/14</a:t>
             </a:fld>
             <a:endParaRPr lang="zh-TW" altLang="en-US"/>
           </a:p>
@@ -2210,7 +2213,7 @@
             <a:fld id="{55BAC541-00CA-4482-9039-1FCA4BCF1C21}" type="datetimeFigureOut">
               <a:rPr lang="zh-TW" altLang="en-US" smtClean="0"/>
               <a:pPr/>
-              <a:t>2015/8/11</a:t>
+              <a:t>15/8/14</a:t>
             </a:fld>
             <a:endParaRPr lang="zh-TW" altLang="en-US"/>
           </a:p>
@@ -2394,7 +2397,7 @@
             <a:fld id="{55BAC541-00CA-4482-9039-1FCA4BCF1C21}" type="datetimeFigureOut">
               <a:rPr lang="zh-TW" altLang="en-US" smtClean="0"/>
               <a:pPr/>
-              <a:t>2015/8/11</a:t>
+              <a:t>15/8/14</a:t>
             </a:fld>
             <a:endParaRPr lang="zh-TW" altLang="en-US"/>
           </a:p>
@@ -2648,7 +2651,7 @@
             <a:fld id="{E7E32FE3-0169-48DF-9D7C-571D71534177}" type="datetimeFigureOut">
               <a:rPr lang="zh-TW" altLang="en-US" smtClean="0"/>
               <a:pPr/>
-              <a:t>2015/8/11</a:t>
+              <a:t>15/8/14</a:t>
             </a:fld>
             <a:endParaRPr lang="zh-TW" altLang="en-US"/>
           </a:p>
@@ -2976,7 +2979,7 @@
             <a:fld id="{E7E32FE3-0169-48DF-9D7C-571D71534177}" type="datetimeFigureOut">
               <a:rPr lang="zh-TW" altLang="en-US" smtClean="0"/>
               <a:pPr/>
-              <a:t>2015/8/11</a:t>
+              <a:t>15/8/14</a:t>
             </a:fld>
             <a:endParaRPr lang="zh-TW" altLang="en-US"/>
           </a:p>
@@ -4556,7 +4559,7 @@
             <a:fld id="{55BAC541-00CA-4482-9039-1FCA4BCF1C21}" type="datetimeFigureOut">
               <a:rPr lang="zh-TW" altLang="en-US" smtClean="0"/>
               <a:pPr/>
-              <a:t>2015/8/11</a:t>
+              <a:t>15/8/14</a:t>
             </a:fld>
             <a:endParaRPr lang="zh-TW" altLang="en-US"/>
           </a:p>
@@ -4806,7 +4809,7 @@
             <a:fld id="{55BAC541-00CA-4482-9039-1FCA4BCF1C21}" type="datetimeFigureOut">
               <a:rPr lang="zh-TW" altLang="en-US" smtClean="0"/>
               <a:pPr/>
-              <a:t>2015/8/11</a:t>
+              <a:t>15/8/14</a:t>
             </a:fld>
             <a:endParaRPr lang="zh-TW" altLang="en-US"/>
           </a:p>
@@ -5098,7 +5101,7 @@
             <a:fld id="{55BAC541-00CA-4482-9039-1FCA4BCF1C21}" type="datetimeFigureOut">
               <a:rPr lang="zh-TW" altLang="en-US" smtClean="0"/>
               <a:pPr/>
-              <a:t>2015/8/11</a:t>
+              <a:t>15/8/14</a:t>
             </a:fld>
             <a:endParaRPr lang="zh-TW" altLang="en-US"/>
           </a:p>
@@ -5938,7 +5941,7 @@
             <a:fld id="{55BAC541-00CA-4482-9039-1FCA4BCF1C21}" type="datetimeFigureOut">
               <a:rPr lang="zh-TW" altLang="en-US" smtClean="0"/>
               <a:pPr/>
-              <a:t>2015/8/11</a:t>
+              <a:t>15/8/14</a:t>
             </a:fld>
             <a:endParaRPr lang="zh-TW" altLang="en-US"/>
           </a:p>
@@ -6481,24 +6484,8 @@
           <a:lstStyle/>
           <a:p>
             <a:r>
-              <a:rPr kumimoji="1" lang="en-US" altLang="zh-TW" dirty="0" smtClean="0"/>
-              <a:t>Controller</a:t>
-            </a:r>
-            <a:r>
               <a:rPr kumimoji="1" lang="zh-TW" altLang="en-US" dirty="0" smtClean="0"/>
-              <a:t>如何撰寫</a:t>
-            </a:r>
-            <a:r>
-              <a:rPr kumimoji="1" lang="en-US" altLang="zh-TW" dirty="0" smtClean="0"/>
-              <a:t>Unit</a:t>
-            </a:r>
-            <a:r>
-              <a:rPr kumimoji="1" lang="zh-TW" altLang="en-US" dirty="0" smtClean="0"/>
-              <a:t> </a:t>
-            </a:r>
-            <a:r>
-              <a:rPr kumimoji="1" lang="en-US" altLang="zh-TW" dirty="0" smtClean="0"/>
-              <a:t>Test</a:t>
+              <a:t>專案中該如何撰寫單元測試</a:t>
             </a:r>
             <a:endParaRPr kumimoji="1" lang="zh-TW" altLang="en-US" dirty="0"/>
           </a:p>
@@ -6519,14 +6506,89 @@
           <a:bodyPr/>
           <a:lstStyle/>
           <a:p>
-            <a:endParaRPr kumimoji="1" lang="zh-TW" altLang="en-US"/>
+            <a:r>
+              <a:rPr kumimoji="1" lang="zh-TW" altLang="en-US" dirty="0" smtClean="0"/>
+              <a:t>建議從專案中比較重要的地方開始寫測試</a:t>
+            </a:r>
+            <a:endParaRPr kumimoji="1" lang="en-US" altLang="zh-TW" dirty="0" smtClean="0"/>
+          </a:p>
+          <a:p>
+            <a:pPr lvl="1"/>
+            <a:r>
+              <a:rPr kumimoji="1" lang="zh-TW" altLang="en-US" dirty="0" smtClean="0"/>
+              <a:t>租約管理系統</a:t>
+            </a:r>
+            <a:r>
+              <a:rPr kumimoji="1" lang="en-US" altLang="zh-TW" dirty="0" smtClean="0"/>
+              <a:t> –</a:t>
+            </a:r>
+            <a:r>
+              <a:rPr kumimoji="1" lang="zh-TW" altLang="en-US" dirty="0" smtClean="0"/>
+              <a:t> 能否建立帳單、是否欠錢</a:t>
+            </a:r>
+            <a:endParaRPr kumimoji="1" lang="en-US" altLang="zh-TW" dirty="0" smtClean="0"/>
+          </a:p>
+          <a:p>
+            <a:pPr lvl="2"/>
+            <a:r>
+              <a:rPr kumimoji="1" lang="zh-TW" altLang="en-US" dirty="0" smtClean="0"/>
+              <a:t>業務邏輯</a:t>
+            </a:r>
+            <a:endParaRPr kumimoji="1" lang="en-US" altLang="zh-TW" dirty="0" smtClean="0"/>
+          </a:p>
+          <a:p>
+            <a:pPr lvl="2"/>
+            <a:r>
+              <a:rPr kumimoji="1" lang="zh-TW" altLang="en-US" dirty="0" smtClean="0"/>
+              <a:t>帳務</a:t>
+            </a:r>
+            <a:endParaRPr kumimoji="1" lang="en-US" altLang="zh-TW" dirty="0" smtClean="0"/>
+          </a:p>
+          <a:p>
+            <a:pPr lvl="1"/>
+            <a:r>
+              <a:rPr kumimoji="1" lang="zh-TW" altLang="en-US" dirty="0" smtClean="0"/>
+              <a:t>差假系統</a:t>
+            </a:r>
+            <a:r>
+              <a:rPr kumimoji="1" lang="en-US" altLang="zh-TW" dirty="0" smtClean="0"/>
+              <a:t> –</a:t>
+            </a:r>
+            <a:r>
+              <a:rPr kumimoji="1" lang="zh-TW" altLang="en-US" dirty="0" smtClean="0"/>
+              <a:t> 能否請假、年度帶假的計算</a:t>
+            </a:r>
+            <a:endParaRPr kumimoji="1" lang="en-US" altLang="zh-TW" dirty="0" smtClean="0"/>
+          </a:p>
+          <a:p>
+            <a:pPr lvl="2"/>
+            <a:r>
+              <a:rPr kumimoji="1" lang="zh-TW" altLang="en-US" dirty="0" smtClean="0"/>
+              <a:t>很多人</a:t>
+            </a:r>
+            <a:r>
+              <a:rPr kumimoji="1" lang="zh-TW" altLang="en-US" dirty="0" smtClean="0"/>
+              <a:t>關心的部分</a:t>
+            </a:r>
+            <a:endParaRPr kumimoji="1" lang="en-US" altLang="zh-TW" dirty="0" smtClean="0"/>
+          </a:p>
+          <a:p>
+            <a:pPr lvl="1"/>
+            <a:r>
+              <a:rPr kumimoji="1" lang="zh-TW" altLang="en-US" dirty="0" smtClean="0"/>
+              <a:t>還有嗎</a:t>
+            </a:r>
+            <a:r>
+              <a:rPr kumimoji="1" lang="en-US" altLang="zh-TW" dirty="0" smtClean="0"/>
+              <a:t>?</a:t>
+            </a:r>
           </a:p>
         </p:txBody>
       </p:sp>
     </p:spTree>
     <p:extLst>
       <p:ext uri="{BB962C8B-B14F-4D97-AF65-F5344CB8AC3E}">
-        <p14:creationId xmlns:p14="http://schemas.microsoft.com/office/powerpoint/2010/main" val="2994028454"/>
+        <p14:creationId xmlns:p14="http://schemas.microsoft.com/office/powerpoint/2010/main" val="3101150047"/>
       </p:ext>
     </p:extLst>
   </p:cSld>
@@ -6569,12 +6631,24 @@
           <a:lstStyle/>
           <a:p>
             <a:r>
+              <a:rPr kumimoji="1" lang="en-US" altLang="zh-TW" dirty="0" smtClean="0"/>
+              <a:t>Controller</a:t>
+            </a:r>
+            <a:r>
               <a:rPr kumimoji="1" lang="zh-TW" altLang="en-US" dirty="0" smtClean="0"/>
-              <a:t>單元測試要測流程</a:t>
+              <a:t>如何撰寫</a:t>
+            </a:r>
+            <a:r>
+              <a:rPr kumimoji="1" lang="en-US" altLang="zh-TW" dirty="0" smtClean="0"/>
+              <a:t>Unit</a:t>
             </a:r>
             <a:r>
               <a:rPr kumimoji="1" lang="zh-TW" altLang="en-US" dirty="0" smtClean="0"/>
-              <a:t>或是輸出入</a:t>
+              <a:t> </a:t>
+            </a:r>
+            <a:r>
+              <a:rPr kumimoji="1" lang="en-US" altLang="zh-TW" dirty="0" smtClean="0"/>
+              <a:t>Test</a:t>
             </a:r>
             <a:endParaRPr kumimoji="1" lang="zh-TW" altLang="en-US" dirty="0"/>
           </a:p>
@@ -6595,14 +6669,119 @@
           <a:bodyPr/>
           <a:lstStyle/>
           <a:p>
-            <a:endParaRPr kumimoji="1" lang="zh-TW" altLang="en-US"/>
+            <a:r>
+              <a:rPr kumimoji="1" lang="en-US" altLang="zh-TW" dirty="0" smtClean="0"/>
+              <a:t>Controller</a:t>
+            </a:r>
+            <a:r>
+              <a:rPr kumimoji="1" lang="zh-TW" altLang="en-US" dirty="0" smtClean="0"/>
+              <a:t> </a:t>
+            </a:r>
+            <a:r>
+              <a:rPr kumimoji="1" lang="en-US" altLang="zh-TW" dirty="0" smtClean="0"/>
+              <a:t>-&gt;</a:t>
+            </a:r>
+            <a:r>
+              <a:rPr kumimoji="1" lang="zh-TW" altLang="en-US" dirty="0" smtClean="0"/>
+              <a:t> </a:t>
+            </a:r>
+            <a:r>
+              <a:rPr kumimoji="1" lang="zh-TW" altLang="en-US" dirty="0" smtClean="0"/>
+              <a:t>負責</a:t>
+            </a:r>
+            <a:r>
+              <a:rPr kumimoji="1" lang="zh-TW" altLang="en-US" dirty="0" smtClean="0"/>
+              <a:t>控制頁面導向</a:t>
+            </a:r>
+            <a:endParaRPr kumimoji="1" lang="en-US" altLang="zh-TW" dirty="0" smtClean="0"/>
+          </a:p>
+          <a:p>
+            <a:pPr lvl="1"/>
+            <a:r>
+              <a:rPr kumimoji="1" lang="zh-TW" altLang="en-US" dirty="0" smtClean="0"/>
+              <a:t>測試頁面導向是否正確</a:t>
+            </a:r>
+            <a:endParaRPr kumimoji="1" lang="en-US" altLang="zh-TW" dirty="0" smtClean="0"/>
+          </a:p>
+          <a:p>
+            <a:pPr lvl="1"/>
+            <a:r>
+              <a:rPr kumimoji="1" lang="zh-TW" altLang="zh-TW" dirty="0"/>
+              <a:t>?</a:t>
+            </a:r>
+            <a:endParaRPr kumimoji="1" lang="en-US" altLang="zh-TW" dirty="0" smtClean="0"/>
+          </a:p>
+          <a:p>
+            <a:r>
+              <a:rPr kumimoji="1" lang="en-US" altLang="zh-TW" dirty="0" smtClean="0"/>
+              <a:t>Service</a:t>
+            </a:r>
+            <a:r>
+              <a:rPr kumimoji="1" lang="zh-TW" altLang="en-US" dirty="0" smtClean="0"/>
+              <a:t> </a:t>
+            </a:r>
+            <a:r>
+              <a:rPr kumimoji="1" lang="en-US" altLang="zh-TW" dirty="0" smtClean="0"/>
+              <a:t>-&gt;</a:t>
+            </a:r>
+            <a:r>
+              <a:rPr kumimoji="1" lang="zh-TW" altLang="en-US" dirty="0" smtClean="0"/>
+              <a:t> </a:t>
+            </a:r>
+            <a:r>
+              <a:rPr kumimoji="1" lang="en-US" altLang="zh-TW" dirty="0" smtClean="0"/>
+              <a:t>?</a:t>
+            </a:r>
+          </a:p>
+          <a:p>
+            <a:r>
+              <a:rPr kumimoji="1" lang="zh-TW" altLang="zh-TW" dirty="0" smtClean="0"/>
+              <a:t>D</a:t>
+            </a:r>
+            <a:r>
+              <a:rPr kumimoji="1" lang="zh-TW" altLang="zh-TW" dirty="0" smtClean="0"/>
+              <a:t>a</a:t>
+            </a:r>
+            <a:r>
+              <a:rPr kumimoji="1" lang="en-US" altLang="zh-TW" dirty="0" smtClean="0"/>
+              <a:t>o</a:t>
+            </a:r>
+            <a:r>
+              <a:rPr kumimoji="1" lang="zh-TW" altLang="en-US" dirty="0" smtClean="0"/>
+              <a:t> </a:t>
+            </a:r>
+            <a:r>
+              <a:rPr kumimoji="1" lang="en-US" altLang="zh-TW" dirty="0" smtClean="0"/>
+              <a:t>-&gt;</a:t>
+            </a:r>
+            <a:r>
+              <a:rPr kumimoji="1" lang="zh-TW" altLang="en-US" dirty="0" smtClean="0"/>
+              <a:t> </a:t>
+            </a:r>
+            <a:r>
+              <a:rPr kumimoji="1" lang="en-US" altLang="zh-TW" dirty="0" smtClean="0"/>
+              <a:t>?</a:t>
+            </a:r>
+          </a:p>
+          <a:p>
+            <a:endParaRPr kumimoji="1" lang="en-US" altLang="zh-TW" dirty="0"/>
+          </a:p>
+          <a:p>
+            <a:r>
+              <a:rPr kumimoji="1" lang="zh-TW" altLang="en-US" dirty="0" smtClean="0"/>
+              <a:t>撰寫的類別權責越單一，測試越好寫，越容易開發。</a:t>
+            </a:r>
+            <a:endParaRPr kumimoji="1" lang="en-US" altLang="zh-TW" dirty="0" smtClean="0"/>
+          </a:p>
+          <a:p>
+            <a:endParaRPr kumimoji="1" lang="zh-TW" altLang="en-US" dirty="0"/>
           </a:p>
         </p:txBody>
       </p:sp>
     </p:spTree>
     <p:extLst>
       <p:ext uri="{BB962C8B-B14F-4D97-AF65-F5344CB8AC3E}">
-        <p14:creationId xmlns:p14="http://schemas.microsoft.com/office/powerpoint/2010/main" val="2228938073"/>
+        <p14:creationId xmlns:p14="http://schemas.microsoft.com/office/powerpoint/2010/main" val="2994028454"/>
       </p:ext>
     </p:extLst>
   </p:cSld>
@@ -6646,7 +6825,7 @@
           <a:p>
             <a:r>
               <a:rPr kumimoji="1" lang="zh-TW" altLang="en-US" dirty="0" smtClean="0"/>
-              <a:t>單元測試只寫第一個或是要寫第二個</a:t>
+              <a:t>單元測試要測流程或是輸出入</a:t>
             </a:r>
             <a:endParaRPr kumimoji="1" lang="zh-TW" altLang="en-US" dirty="0"/>
           </a:p>
@@ -6667,7 +6846,314 @@
           <a:bodyPr/>
           <a:lstStyle/>
           <a:p>
-            <a:endParaRPr kumimoji="1" lang="zh-TW" altLang="en-US"/>
+            <a:r>
+              <a:rPr kumimoji="1" lang="zh-TW" altLang="en-US" dirty="0" smtClean="0"/>
+              <a:t>測試輸出輸入是方法，測試意圖</a:t>
+            </a:r>
+            <a:r>
+              <a:rPr kumimoji="1" lang="en-US" altLang="zh-TW" dirty="0" smtClean="0"/>
+              <a:t>(</a:t>
+            </a:r>
+            <a:r>
+              <a:rPr kumimoji="1" lang="zh-TW" altLang="en-US" dirty="0" smtClean="0"/>
+              <a:t>流程</a:t>
+            </a:r>
+            <a:r>
+              <a:rPr kumimoji="1" lang="en-US" altLang="zh-TW" dirty="0" smtClean="0"/>
+              <a:t>)</a:t>
+            </a:r>
+            <a:r>
+              <a:rPr kumimoji="1" lang="zh-TW" altLang="en-US" dirty="0" smtClean="0"/>
+              <a:t>才是目的。</a:t>
+            </a:r>
+            <a:endParaRPr kumimoji="1" lang="en-US" altLang="zh-TW" dirty="0" smtClean="0"/>
+          </a:p>
+          <a:p>
+            <a:pPr marL="0" indent="0">
+              <a:buNone/>
+            </a:pPr>
+            <a:endParaRPr kumimoji="1" lang="en-US" altLang="zh-TW" dirty="0" smtClean="0"/>
+          </a:p>
+          <a:p>
+            <a:r>
+              <a:rPr kumimoji="1" lang="zh-TW" altLang="zh-TW" sz="1600" dirty="0" smtClean="0">
+                <a:latin typeface="Consolas"/>
+                <a:cs typeface="Consolas"/>
+              </a:rPr>
+              <a:t>a</a:t>
+            </a:r>
+            <a:r>
+              <a:rPr kumimoji="1" lang="en-US" altLang="zh-TW" sz="1600" dirty="0" err="1" smtClean="0">
+                <a:latin typeface="Consolas"/>
+                <a:cs typeface="Consolas"/>
+              </a:rPr>
+              <a:t>ssert</a:t>
+            </a:r>
+            <a:r>
+              <a:rPr kumimoji="1" lang="en-US" altLang="zh-TW" sz="1600" dirty="0" smtClean="0">
+                <a:latin typeface="Consolas"/>
+                <a:cs typeface="Consolas"/>
+              </a:rPr>
+              <a:t>("2015/5/30", </a:t>
+            </a:r>
+            <a:r>
+              <a:rPr kumimoji="1" lang="en-US" altLang="zh-TW" sz="1600" dirty="0" err="1" smtClean="0">
+                <a:latin typeface="Consolas"/>
+                <a:cs typeface="Consolas"/>
+              </a:rPr>
+              <a:t>ContractService.calDueDate</a:t>
+            </a:r>
+            <a:r>
+              <a:rPr kumimoji="1" lang="en-US" altLang="zh-TW" sz="1600" dirty="0" smtClean="0">
+                <a:latin typeface="Consolas"/>
+                <a:cs typeface="Consolas"/>
+              </a:rPr>
+              <a:t>(123L));</a:t>
+            </a:r>
+          </a:p>
+          <a:p>
+            <a:pPr marL="0" indent="0">
+              <a:buNone/>
+            </a:pPr>
+            <a:endParaRPr kumimoji="1" lang="en-US" altLang="zh-TW" dirty="0" smtClean="0">
+              <a:latin typeface="Consolas"/>
+              <a:cs typeface="Consolas"/>
+            </a:endParaRPr>
+          </a:p>
+          <a:p>
+            <a:r>
+              <a:rPr kumimoji="1" lang="en-US" altLang="zh-TW" sz="1600" dirty="0" smtClean="0">
+                <a:latin typeface="Consolas"/>
+                <a:cs typeface="Consolas"/>
+              </a:rPr>
+              <a:t>Long </a:t>
+            </a:r>
+            <a:r>
+              <a:rPr kumimoji="1" lang="en-US" altLang="zh-TW" sz="1600" dirty="0" err="1" smtClean="0">
+                <a:latin typeface="Consolas"/>
+                <a:cs typeface="Consolas"/>
+              </a:rPr>
+              <a:t>contractNo</a:t>
+            </a:r>
+            <a:r>
+              <a:rPr kumimoji="1" lang="en-US" altLang="zh-TW" sz="1600" dirty="0" smtClean="0">
+                <a:latin typeface="Consolas"/>
+                <a:cs typeface="Consolas"/>
+              </a:rPr>
+              <a:t> = 123;</a:t>
+            </a:r>
+          </a:p>
+          <a:p>
+            <a:r>
+              <a:rPr kumimoji="1" lang="en-US" altLang="zh-TW" sz="1600" dirty="0" smtClean="0">
+                <a:latin typeface="Consolas"/>
+                <a:cs typeface="Consolas"/>
+              </a:rPr>
+              <a:t>String </a:t>
+            </a:r>
+            <a:r>
+              <a:rPr kumimoji="1" lang="en-US" altLang="zh-TW" sz="1600" dirty="0" err="1" smtClean="0">
+                <a:latin typeface="Consolas"/>
+                <a:cs typeface="Consolas"/>
+              </a:rPr>
+              <a:t>contractDueDate</a:t>
+            </a:r>
+            <a:r>
+              <a:rPr kumimoji="1" lang="en-US" altLang="zh-TW" sz="1600" dirty="0" smtClean="0">
+                <a:latin typeface="Consolas"/>
+                <a:cs typeface="Consolas"/>
+              </a:rPr>
+              <a:t> = </a:t>
+            </a:r>
+            <a:r>
+              <a:rPr kumimoji="1" lang="en-US" altLang="zh-TW" sz="1600" dirty="0">
+                <a:latin typeface="Consolas"/>
+                <a:cs typeface="Consolas"/>
+              </a:rPr>
+              <a:t>"</a:t>
+            </a:r>
+            <a:r>
+              <a:rPr kumimoji="1" lang="en-US" altLang="zh-TW" sz="1600" dirty="0" smtClean="0">
+                <a:latin typeface="Consolas"/>
+                <a:cs typeface="Consolas"/>
+              </a:rPr>
+              <a:t>2015/5/30”;</a:t>
+            </a:r>
+          </a:p>
+          <a:p>
+            <a:r>
+              <a:rPr kumimoji="1" lang="en-US" altLang="zh-TW" sz="1600" dirty="0" smtClean="0">
+                <a:latin typeface="Consolas"/>
+                <a:cs typeface="Consolas"/>
+              </a:rPr>
+              <a:t>// mock some integration. Or something.</a:t>
+            </a:r>
+          </a:p>
+          <a:p>
+            <a:endParaRPr kumimoji="1" lang="en-US" altLang="zh-TW" sz="1600" dirty="0" smtClean="0">
+              <a:latin typeface="Consolas"/>
+              <a:cs typeface="Consolas"/>
+            </a:endParaRPr>
+          </a:p>
+          <a:p>
+            <a:r>
+              <a:rPr kumimoji="1" lang="en-US" altLang="zh-TW" sz="1600" dirty="0" smtClean="0">
+                <a:latin typeface="Consolas"/>
+                <a:cs typeface="Consolas"/>
+              </a:rPr>
+              <a:t>assert(</a:t>
+            </a:r>
+            <a:r>
+              <a:rPr kumimoji="1" lang="en-US" altLang="zh-TW" sz="1600" dirty="0" err="1" smtClean="0">
+                <a:latin typeface="Consolas"/>
+                <a:cs typeface="Consolas"/>
+              </a:rPr>
+              <a:t>contractDueDate</a:t>
+            </a:r>
+            <a:r>
+              <a:rPr kumimoji="1" lang="en-US" altLang="zh-TW" sz="1600" dirty="0" smtClean="0">
+                <a:latin typeface="Consolas"/>
+                <a:cs typeface="Consolas"/>
+              </a:rPr>
+              <a:t>, </a:t>
+            </a:r>
+            <a:r>
+              <a:rPr kumimoji="1" lang="en-US" altLang="zh-TW" sz="1600" dirty="0" err="1" smtClean="0">
+                <a:latin typeface="Consolas"/>
+                <a:cs typeface="Consolas"/>
+              </a:rPr>
+              <a:t>ContractService.calDueDate</a:t>
+            </a:r>
+            <a:r>
+              <a:rPr kumimoji="1" lang="en-US" altLang="zh-TW" sz="1600" dirty="0" smtClean="0">
+                <a:latin typeface="Consolas"/>
+                <a:cs typeface="Consolas"/>
+              </a:rPr>
+              <a:t>(</a:t>
+            </a:r>
+            <a:r>
+              <a:rPr kumimoji="1" lang="en-US" altLang="zh-TW" sz="1600" dirty="0" err="1" smtClean="0">
+                <a:latin typeface="Consolas"/>
+                <a:cs typeface="Consolas"/>
+              </a:rPr>
+              <a:t>contractNo</a:t>
+            </a:r>
+            <a:r>
+              <a:rPr kumimoji="1" lang="en-US" altLang="zh-TW" sz="1600" dirty="0" smtClean="0">
+                <a:latin typeface="Consolas"/>
+                <a:cs typeface="Consolas"/>
+              </a:rPr>
+              <a:t>);</a:t>
+            </a:r>
+          </a:p>
+        </p:txBody>
+      </p:sp>
+    </p:spTree>
+    <p:extLst>
+      <p:ext uri="{BB962C8B-B14F-4D97-AF65-F5344CB8AC3E}">
+        <p14:creationId xmlns:p14="http://schemas.microsoft.com/office/powerpoint/2010/main" val="2228938073"/>
+      </p:ext>
+    </p:extLst>
+  </p:cSld>
+  <p:clrMapOvr>
+    <a:masterClrMapping/>
+  </p:clrMapOvr>
+</p:sld>
+</file>
+
+<file path=ppt/slides/slide13.xml><?xml version="1.0" encoding="utf-8"?>
+<p:sld xmlns:a="http://schemas.openxmlformats.org/drawingml/2006/main" xmlns:r="http://schemas.openxmlformats.org/officeDocument/2006/relationships" xmlns:p="http://schemas.openxmlformats.org/presentationml/2006/main">
+  <p:cSld>
+    <p:spTree>
+      <p:nvGrpSpPr>
+        <p:cNvPr id="1" name=""/>
+        <p:cNvGrpSpPr/>
+        <p:nvPr/>
+      </p:nvGrpSpPr>
+      <p:grpSpPr>
+        <a:xfrm>
+          <a:off x="0" y="0"/>
+          <a:ext cx="0" cy="0"/>
+          <a:chOff x="0" y="0"/>
+          <a:chExt cx="0" cy="0"/>
+        </a:xfrm>
+      </p:grpSpPr>
+      <p:sp>
+        <p:nvSpPr>
+          <p:cNvPr id="2" name="標題 1"/>
+          <p:cNvSpPr>
+            <a:spLocks noGrp="1"/>
+          </p:cNvSpPr>
+          <p:nvPr>
+            <p:ph type="title"/>
+          </p:nvPr>
+        </p:nvSpPr>
+        <p:spPr/>
+        <p:txBody>
+          <a:bodyPr/>
+          <a:lstStyle/>
+          <a:p>
+            <a:r>
+              <a:rPr kumimoji="1" lang="zh-TW" altLang="en-US" dirty="0" smtClean="0"/>
+              <a:t>單元測試只寫第一個或是要寫第二個</a:t>
+            </a:r>
+            <a:endParaRPr kumimoji="1" lang="zh-TW" altLang="en-US" dirty="0"/>
+          </a:p>
+        </p:txBody>
+      </p:sp>
+      <p:sp>
+        <p:nvSpPr>
+          <p:cNvPr id="3" name="內容版面配置區 2"/>
+          <p:cNvSpPr>
+            <a:spLocks noGrp="1"/>
+          </p:cNvSpPr>
+          <p:nvPr>
+            <p:ph idx="1"/>
+          </p:nvPr>
+        </p:nvSpPr>
+        <p:spPr/>
+        <p:txBody>
+          <a:bodyPr/>
+          <a:lstStyle/>
+          <a:p>
+            <a:r>
+              <a:rPr kumimoji="1" lang="zh-TW" altLang="en-US" dirty="0" smtClean="0"/>
+              <a:t>單元測試盡可能的小</a:t>
+            </a:r>
+            <a:endParaRPr kumimoji="1" lang="en-US" altLang="zh-TW" dirty="0" smtClean="0"/>
+          </a:p>
+          <a:p>
+            <a:r>
+              <a:rPr kumimoji="1" lang="zh-TW" altLang="en-US" dirty="0" smtClean="0"/>
+              <a:t>先前寫好的單元測試</a:t>
+            </a:r>
+            <a:r>
+              <a:rPr kumimoji="1" lang="zh-TW" altLang="en-US" dirty="0" smtClean="0"/>
+              <a:t>，有其測試的目的，就留著吧！</a:t>
+            </a:r>
+            <a:endParaRPr kumimoji="1" lang="en-US" altLang="zh-TW" dirty="0" smtClean="0"/>
+          </a:p>
+          <a:p>
+            <a:r>
+              <a:rPr kumimoji="1" lang="zh-TW" altLang="en-US" dirty="0" smtClean="0"/>
+              <a:t>想測試的東西就建立一個新函數來測試。</a:t>
+            </a:r>
+            <a:endParaRPr kumimoji="1" lang="en-US" altLang="zh-TW" dirty="0"/>
+          </a:p>
+          <a:p>
+            <a:r>
+              <a:rPr kumimoji="1" lang="zh-TW" altLang="en-US" dirty="0" smtClean="0"/>
+              <a:t>如果每次都要改資料才能執行測試，減低測試資料與程式的耦合吧</a:t>
+            </a:r>
+            <a:r>
+              <a:rPr kumimoji="1" lang="en-US" altLang="zh-TW" dirty="0" smtClean="0"/>
+              <a:t>!!!</a:t>
+            </a:r>
+            <a:r>
+              <a:rPr kumimoji="1" lang="zh-TW" altLang="en-US" dirty="0" smtClean="0"/>
+              <a:t> </a:t>
+            </a:r>
+            <a:endParaRPr kumimoji="1" lang="en-US" altLang="zh-TW" dirty="0" smtClean="0"/>
           </a:p>
         </p:txBody>
       </p:sp>
@@ -6675,6 +7161,272 @@
     <p:extLst>
       <p:ext uri="{BB962C8B-B14F-4D97-AF65-F5344CB8AC3E}">
         <p14:creationId xmlns:p14="http://schemas.microsoft.com/office/powerpoint/2010/main" val="1789898940"/>
+      </p:ext>
+    </p:extLst>
+  </p:cSld>
+  <p:clrMapOvr>
+    <a:masterClrMapping/>
+  </p:clrMapOvr>
+</p:sld>
+</file>
+
+<file path=ppt/slides/slide14.xml><?xml version="1.0" encoding="utf-8"?>
+<p:sld xmlns:a="http://schemas.openxmlformats.org/drawingml/2006/main" xmlns:r="http://schemas.openxmlformats.org/officeDocument/2006/relationships" xmlns:p="http://schemas.openxmlformats.org/presentationml/2006/main">
+  <p:cSld>
+    <p:spTree>
+      <p:nvGrpSpPr>
+        <p:cNvPr id="1" name=""/>
+        <p:cNvGrpSpPr/>
+        <p:nvPr/>
+      </p:nvGrpSpPr>
+      <p:grpSpPr>
+        <a:xfrm>
+          <a:off x="0" y="0"/>
+          <a:ext cx="0" cy="0"/>
+          <a:chOff x="0" y="0"/>
+          <a:chExt cx="0" cy="0"/>
+        </a:xfrm>
+      </p:grpSpPr>
+      <p:sp>
+        <p:nvSpPr>
+          <p:cNvPr id="2" name="標題 1"/>
+          <p:cNvSpPr>
+            <a:spLocks noGrp="1"/>
+          </p:cNvSpPr>
+          <p:nvPr>
+            <p:ph type="title"/>
+          </p:nvPr>
+        </p:nvSpPr>
+        <p:spPr/>
+        <p:txBody>
+          <a:bodyPr/>
+          <a:lstStyle/>
+          <a:p>
+            <a:r>
+              <a:rPr kumimoji="1" lang="zh-TW" altLang="en-US" dirty="0" smtClean="0"/>
+              <a:t>單元測試撰寫原則</a:t>
+            </a:r>
+            <a:endParaRPr kumimoji="1" lang="zh-TW" altLang="en-US" dirty="0"/>
+          </a:p>
+        </p:txBody>
+      </p:sp>
+      <p:sp>
+        <p:nvSpPr>
+          <p:cNvPr id="3" name="內容版面配置區 2"/>
+          <p:cNvSpPr>
+            <a:spLocks noGrp="1"/>
+          </p:cNvSpPr>
+          <p:nvPr>
+            <p:ph idx="1"/>
+          </p:nvPr>
+        </p:nvSpPr>
+        <p:spPr/>
+        <p:txBody>
+          <a:bodyPr/>
+          <a:lstStyle/>
+          <a:p>
+            <a:r>
+              <a:rPr kumimoji="1" lang="zh-TW" altLang="en-US" dirty="0" smtClean="0"/>
+              <a:t>使用</a:t>
+            </a:r>
+            <a:r>
+              <a:rPr kumimoji="1" lang="en-US" altLang="zh-TW" dirty="0" smtClean="0"/>
+              <a:t> assert</a:t>
+            </a:r>
+            <a:r>
+              <a:rPr kumimoji="1" lang="zh-TW" altLang="en-US" dirty="0" smtClean="0"/>
+              <a:t> 來檢驗輸出</a:t>
+            </a:r>
+            <a:endParaRPr kumimoji="1" lang="en-US" altLang="zh-TW" dirty="0" smtClean="0"/>
+          </a:p>
+          <a:p>
+            <a:r>
+              <a:rPr kumimoji="1" lang="zh-TW" altLang="en-US" dirty="0" smtClean="0"/>
+              <a:t>避免測試程式碼出現在產品</a:t>
+            </a:r>
+            <a:endParaRPr kumimoji="1" lang="en-US" altLang="zh-TW" dirty="0" smtClean="0"/>
+          </a:p>
+          <a:p>
+            <a:r>
+              <a:rPr kumimoji="1" lang="zh-TW" altLang="en-US" dirty="0" smtClean="0"/>
+              <a:t>減低耦合</a:t>
+            </a:r>
+            <a:endParaRPr kumimoji="1" lang="en-US" altLang="zh-TW" dirty="0" smtClean="0"/>
+          </a:p>
+          <a:p>
+            <a:r>
+              <a:rPr kumimoji="1" lang="zh-TW" altLang="en-US" dirty="0" smtClean="0"/>
+              <a:t>撰寫小測試</a:t>
+            </a:r>
+            <a:endParaRPr kumimoji="1" lang="en-US" altLang="zh-TW" dirty="0" smtClean="0"/>
+          </a:p>
+          <a:p>
+            <a:endParaRPr kumimoji="1" lang="zh-TW" altLang="en-US" dirty="0"/>
+          </a:p>
+        </p:txBody>
+      </p:sp>
+    </p:spTree>
+    <p:extLst>
+      <p:ext uri="{BB962C8B-B14F-4D97-AF65-F5344CB8AC3E}">
+        <p14:creationId xmlns:p14="http://schemas.microsoft.com/office/powerpoint/2010/main" val="1744515990"/>
+      </p:ext>
+    </p:extLst>
+  </p:cSld>
+  <p:clrMapOvr>
+    <a:masterClrMapping/>
+  </p:clrMapOvr>
+</p:sld>
+</file>
+
+<file path=ppt/slides/slide15.xml><?xml version="1.0" encoding="utf-8"?>
+<p:sld xmlns:a="http://schemas.openxmlformats.org/drawingml/2006/main" xmlns:r="http://schemas.openxmlformats.org/officeDocument/2006/relationships" xmlns:p="http://schemas.openxmlformats.org/presentationml/2006/main">
+  <p:cSld>
+    <p:spTree>
+      <p:nvGrpSpPr>
+        <p:cNvPr id="1" name=""/>
+        <p:cNvGrpSpPr/>
+        <p:nvPr/>
+      </p:nvGrpSpPr>
+      <p:grpSpPr>
+        <a:xfrm>
+          <a:off x="0" y="0"/>
+          <a:ext cx="0" cy="0"/>
+          <a:chOff x="0" y="0"/>
+          <a:chExt cx="0" cy="0"/>
+        </a:xfrm>
+      </p:grpSpPr>
+      <p:sp>
+        <p:nvSpPr>
+          <p:cNvPr id="2" name="標題 1"/>
+          <p:cNvSpPr>
+            <a:spLocks noGrp="1"/>
+          </p:cNvSpPr>
+          <p:nvPr>
+            <p:ph type="title"/>
+          </p:nvPr>
+        </p:nvSpPr>
+        <p:spPr/>
+        <p:txBody>
+          <a:bodyPr/>
+          <a:lstStyle/>
+          <a:p>
+            <a:r>
+              <a:rPr kumimoji="1" lang="zh-TW" altLang="en-US" dirty="0" smtClean="0"/>
+              <a:t>單元</a:t>
+            </a:r>
+            <a:r>
+              <a:rPr kumimoji="1" lang="zh-TW" altLang="en-US" dirty="0" smtClean="0"/>
+              <a:t>測試</a:t>
+            </a:r>
+            <a:r>
+              <a:rPr kumimoji="1" lang="zh-TW" altLang="en-US" dirty="0" smtClean="0"/>
+              <a:t>撰寫</a:t>
+            </a:r>
+            <a:r>
+              <a:rPr kumimoji="1" lang="zh-TW" altLang="en-US" dirty="0" smtClean="0"/>
+              <a:t>原則</a:t>
+            </a:r>
+            <a:endParaRPr kumimoji="1" lang="zh-TW" altLang="en-US" dirty="0"/>
+          </a:p>
+        </p:txBody>
+      </p:sp>
+      <p:sp>
+        <p:nvSpPr>
+          <p:cNvPr id="3" name="內容版面配置區 2"/>
+          <p:cNvSpPr>
+            <a:spLocks noGrp="1"/>
+          </p:cNvSpPr>
+          <p:nvPr>
+            <p:ph idx="1"/>
+          </p:nvPr>
+        </p:nvSpPr>
+        <p:spPr/>
+        <p:txBody>
+          <a:bodyPr/>
+          <a:lstStyle/>
+          <a:p>
+            <a:r>
+              <a:rPr kumimoji="1" lang="zh-TW" altLang="en-US" dirty="0" smtClean="0"/>
+              <a:t>開發前先瞭解怎麼做驗證</a:t>
+            </a:r>
+            <a:endParaRPr kumimoji="1" lang="en-US" altLang="zh-TW" dirty="0"/>
+          </a:p>
+          <a:p>
+            <a:r>
+              <a:rPr kumimoji="1" lang="zh-TW" altLang="en-US" dirty="0" smtClean="0"/>
+              <a:t>不測試自動產</a:t>
+            </a:r>
+            <a:r>
+              <a:rPr kumimoji="1" lang="zh-TW" altLang="en-US" dirty="0"/>
+              <a:t>生的程式碼</a:t>
+            </a:r>
+            <a:endParaRPr kumimoji="1" lang="en-US" altLang="zh-TW" dirty="0"/>
+          </a:p>
+          <a:p>
+            <a:pPr lvl="1"/>
+            <a:r>
+              <a:rPr kumimoji="1" lang="en-US" altLang="zh-TW" dirty="0"/>
+              <a:t>DAO,</a:t>
+            </a:r>
+            <a:r>
+              <a:rPr kumimoji="1" lang="zh-TW" altLang="en-US" dirty="0"/>
+              <a:t> </a:t>
+            </a:r>
+            <a:r>
+              <a:rPr kumimoji="1" lang="zh-TW" altLang="zh-TW" dirty="0"/>
+              <a:t>I</a:t>
+            </a:r>
+            <a:r>
+              <a:rPr kumimoji="1" lang="en-US" altLang="zh-TW" dirty="0" err="1"/>
+              <a:t>ntegration</a:t>
+            </a:r>
+            <a:r>
+              <a:rPr kumimoji="1" lang="zh-TW" altLang="zh-TW" dirty="0"/>
+              <a:t>,</a:t>
+            </a:r>
+            <a:r>
+              <a:rPr kumimoji="1" lang="zh-TW" altLang="en-US" dirty="0"/>
+              <a:t> </a:t>
+            </a:r>
+            <a:r>
+              <a:rPr kumimoji="1" lang="en-US" altLang="zh-TW" dirty="0"/>
+              <a:t>…</a:t>
+            </a:r>
+            <a:r>
+              <a:rPr kumimoji="1" lang="zh-TW" altLang="en-US" dirty="0"/>
+              <a:t> </a:t>
+            </a:r>
+            <a:r>
+              <a:rPr kumimoji="1" lang="en-US" altLang="zh-TW" dirty="0" err="1" smtClean="0"/>
+              <a:t>etc</a:t>
+            </a:r>
+            <a:endParaRPr kumimoji="1" lang="en-US" altLang="zh-TW" dirty="0" smtClean="0"/>
+          </a:p>
+          <a:p>
+            <a:r>
+              <a:rPr kumimoji="1" lang="zh-TW" altLang="en-US" dirty="0" smtClean="0"/>
+              <a:t>開發的時候確保</a:t>
+            </a:r>
+            <a:r>
+              <a:rPr kumimoji="1" lang="en-US" altLang="zh-TW" dirty="0" smtClean="0"/>
+              <a:t> function</a:t>
+            </a:r>
+            <a:r>
+              <a:rPr kumimoji="1" lang="zh-TW" altLang="en-US" dirty="0" smtClean="0"/>
+              <a:t> 有明確的</a:t>
+            </a:r>
+            <a:r>
+              <a:rPr kumimoji="1" lang="en-US" altLang="zh-TW" dirty="0" smtClean="0"/>
+              <a:t>input/output</a:t>
+            </a:r>
+            <a:endParaRPr kumimoji="1" lang="en-US" altLang="zh-TW" dirty="0"/>
+          </a:p>
+        </p:txBody>
+      </p:sp>
+    </p:spTree>
+    <p:extLst>
+      <p:ext uri="{BB962C8B-B14F-4D97-AF65-F5344CB8AC3E}">
+        <p14:creationId xmlns:p14="http://schemas.microsoft.com/office/powerpoint/2010/main" val="705074835"/>
       </p:ext>
     </p:extLst>
   </p:cSld>
@@ -7294,11 +8046,7 @@
             </a:r>
             <a:r>
               <a:rPr lang="zh-TW" altLang="en-US" dirty="0" smtClean="0"/>
-              <a:t>試</a:t>
-            </a:r>
-            <a:r>
-              <a:rPr lang="zh-TW" altLang="en-US" dirty="0" smtClean="0"/>
-              <a:t> </a:t>
+              <a:t>試 </a:t>
             </a:r>
             <a:r>
               <a:rPr lang="en-US" altLang="zh-TW" dirty="0" smtClean="0"/>
@@ -7442,11 +8190,7 @@
             </a:r>
             <a:r>
               <a:rPr lang="zh-TW" altLang="en-US" dirty="0" smtClean="0"/>
-              <a:t>試</a:t>
-            </a:r>
-            <a:r>
-              <a:rPr lang="zh-TW" altLang="en-US" dirty="0" smtClean="0"/>
-              <a:t> </a:t>
+              <a:t>試 </a:t>
             </a:r>
             <a:r>
               <a:rPr lang="en-US" altLang="zh-TW" dirty="0" smtClean="0"/>
@@ -7594,11 +8338,7 @@
             </a:r>
             <a:r>
               <a:rPr lang="zh-TW" altLang="en-US" dirty="0" smtClean="0"/>
-              <a:t>試</a:t>
-            </a:r>
-            <a:r>
-              <a:rPr lang="zh-TW" altLang="en-US" dirty="0" smtClean="0"/>
-              <a:t> </a:t>
+              <a:t>試 </a:t>
             </a:r>
             <a:r>
               <a:rPr lang="en-US" altLang="zh-TW" dirty="0" smtClean="0"/>
@@ -7838,11 +8578,7 @@
             </a:r>
             <a:r>
               <a:rPr lang="zh-TW" altLang="en-US" dirty="0" smtClean="0"/>
-              <a:t>試</a:t>
-            </a:r>
-            <a:r>
-              <a:rPr lang="zh-TW" altLang="en-US" dirty="0" smtClean="0"/>
-              <a:t> </a:t>
+              <a:t>試 </a:t>
             </a:r>
             <a:r>
               <a:rPr lang="en-US" altLang="zh-TW" dirty="0" smtClean="0"/>
@@ -7972,8 +8708,12 @@
           <a:lstStyle/>
           <a:p>
             <a:r>
-              <a:rPr kumimoji="1" lang="zh-TW" altLang="en-US" dirty="0" smtClean="0"/>
-              <a:t>專案中該如何撰寫單元測試</a:t>
+              <a:rPr kumimoji="1" lang="en-US" altLang="zh-TW" dirty="0" smtClean="0"/>
+              <a:t>Q</a:t>
+            </a:r>
+            <a:r>
+              <a:rPr kumimoji="1" lang="en-US" altLang="zh-TW" dirty="0" smtClean="0"/>
+              <a:t>&amp;A</a:t>
             </a:r>
             <a:endParaRPr kumimoji="1" lang="zh-TW" altLang="en-US" dirty="0"/>
           </a:p>
@@ -7994,14 +8734,30 @@
           <a:bodyPr/>
           <a:lstStyle/>
           <a:p>
-            <a:endParaRPr kumimoji="1" lang="zh-TW" altLang="en-US"/>
+            <a:r>
+              <a:rPr kumimoji="1" lang="en-US" altLang="zh-TW" dirty="0" smtClean="0"/>
+              <a:t>Q</a:t>
+            </a:r>
+            <a:r>
+              <a:rPr kumimoji="1" lang="en-US" altLang="zh-TW" dirty="0" smtClean="0"/>
+              <a:t>uestion</a:t>
+            </a:r>
+            <a:r>
+              <a:rPr kumimoji="1" lang="zh-TW" altLang="en-US" dirty="0" smtClean="0"/>
+              <a:t> </a:t>
+            </a:r>
+            <a:r>
+              <a:rPr kumimoji="1" lang="en-US" altLang="zh-TW" dirty="0" smtClean="0"/>
+              <a:t>Time</a:t>
+            </a:r>
+            <a:endParaRPr kumimoji="1" lang="zh-TW" altLang="en-US" dirty="0"/>
           </a:p>
         </p:txBody>
       </p:sp>
     </p:spTree>
     <p:extLst>
       <p:ext uri="{BB962C8B-B14F-4D97-AF65-F5344CB8AC3E}">
-        <p14:creationId xmlns:p14="http://schemas.microsoft.com/office/powerpoint/2010/main" val="3101150047"/>
+        <p14:creationId xmlns:p14="http://schemas.microsoft.com/office/powerpoint/2010/main" val="1035452076"/>
       </p:ext>
     </p:extLst>
   </p:cSld>

--- a/HYT - UnitTest.pptx
+++ b/HYT - UnitTest.pptx
@@ -6,7 +6,7 @@
     <p:sldMasterId id="2147483665" r:id="rId2"/>
   </p:sldMasterIdLst>
   <p:notesMasterIdLst>
-    <p:notesMasterId r:id="rId18"/>
+    <p:notesMasterId r:id="rId19"/>
   </p:notesMasterIdLst>
   <p:sldIdLst>
     <p:sldId id="457" r:id="rId3"/>
@@ -22,8 +22,9 @@
     <p:sldId id="537" r:id="rId13"/>
     <p:sldId id="538" r:id="rId14"/>
     <p:sldId id="535" r:id="rId15"/>
-    <p:sldId id="539" r:id="rId16"/>
-    <p:sldId id="540" r:id="rId17"/>
+    <p:sldId id="542" r:id="rId16"/>
+    <p:sldId id="539" r:id="rId17"/>
+    <p:sldId id="540" r:id="rId18"/>
   </p:sldIdLst>
   <p:sldSz cx="9144000" cy="6858000" type="screen4x3"/>
   <p:notesSz cx="6858000" cy="9144000"/>
@@ -124,7 +125,7 @@
   </p:defaultTextStyle>
   <p:extLst>
     <p:ext uri="{EFAFB233-063F-42B5-8137-9DF3F51BA10A}">
-      <p15:sldGuideLst xmlns:p15="http://schemas.microsoft.com/office/powerpoint/2012/main" xmlns="">
+      <p15:sldGuideLst xmlns="" xmlns:p15="http://schemas.microsoft.com/office/powerpoint/2012/main">
         <p15:guide id="1" orient="horz" pos="2160">
           <p15:clr>
             <a:srgbClr val="A4A3A4"/>
@@ -6564,11 +6565,7 @@
             <a:pPr lvl="2"/>
             <a:r>
               <a:rPr kumimoji="1" lang="zh-TW" altLang="en-US" dirty="0" smtClean="0"/>
-              <a:t>很多人</a:t>
-            </a:r>
-            <a:r>
-              <a:rPr kumimoji="1" lang="zh-TW" altLang="en-US" dirty="0" smtClean="0"/>
-              <a:t>關心的部分</a:t>
+              <a:t>很多人關心的部分</a:t>
             </a:r>
             <a:endParaRPr kumimoji="1" lang="en-US" altLang="zh-TW" dirty="0" smtClean="0"/>
           </a:p>
@@ -6683,15 +6680,7 @@
             </a:r>
             <a:r>
               <a:rPr kumimoji="1" lang="zh-TW" altLang="en-US" dirty="0" smtClean="0"/>
-              <a:t> </a:t>
-            </a:r>
-            <a:r>
-              <a:rPr kumimoji="1" lang="zh-TW" altLang="en-US" dirty="0" smtClean="0"/>
-              <a:t>負責</a:t>
-            </a:r>
-            <a:r>
-              <a:rPr kumimoji="1" lang="zh-TW" altLang="en-US" dirty="0" smtClean="0"/>
-              <a:t>控制頁面導向</a:t>
+              <a:t> 負責控制頁面導向</a:t>
             </a:r>
             <a:endParaRPr kumimoji="1" lang="en-US" altLang="zh-TW" dirty="0" smtClean="0"/>
           </a:p>
@@ -6736,11 +6725,7 @@
           <a:p>
             <a:r>
               <a:rPr kumimoji="1" lang="zh-TW" altLang="zh-TW" dirty="0" smtClean="0"/>
-              <a:t>D</a:t>
-            </a:r>
-            <a:r>
-              <a:rPr kumimoji="1" lang="zh-TW" altLang="zh-TW" dirty="0" smtClean="0"/>
-              <a:t>a</a:t>
+              <a:t>Da</a:t>
             </a:r>
             <a:r>
               <a:rPr kumimoji="1" lang="en-US" altLang="zh-TW" dirty="0" smtClean="0"/>
@@ -7125,11 +7110,7 @@
           <a:p>
             <a:r>
               <a:rPr kumimoji="1" lang="zh-TW" altLang="en-US" dirty="0" smtClean="0"/>
-              <a:t>先前寫好的單元測試</a:t>
-            </a:r>
-            <a:r>
-              <a:rPr kumimoji="1" lang="zh-TW" altLang="en-US" dirty="0" smtClean="0"/>
-              <a:t>，有其測試的目的，就留著吧！</a:t>
+              <a:t>先前寫好的單元測試，有其測試的目的，就留著吧！</a:t>
             </a:r>
             <a:endParaRPr kumimoji="1" lang="en-US" altLang="zh-TW" dirty="0" smtClean="0"/>
           </a:p>
@@ -7204,7 +7185,11 @@
           <a:p>
             <a:r>
               <a:rPr kumimoji="1" lang="zh-TW" altLang="en-US" dirty="0" smtClean="0"/>
-              <a:t>單元測試撰寫原則</a:t>
+              <a:t>介接該測試嗎</a:t>
+            </a:r>
+            <a:r>
+              <a:rPr kumimoji="1" lang="en-US" altLang="zh-TW" dirty="0" smtClean="0"/>
+              <a:t>?</a:t>
             </a:r>
             <a:endParaRPr kumimoji="1" lang="zh-TW" altLang="en-US" dirty="0"/>
           </a:p>
@@ -7226,41 +7211,9 @@
           <a:lstStyle/>
           <a:p>
             <a:r>
-              <a:rPr kumimoji="1" lang="zh-TW" altLang="en-US" dirty="0" smtClean="0"/>
-              <a:t>使用</a:t>
-            </a:r>
-            <a:r>
-              <a:rPr kumimoji="1" lang="en-US" altLang="zh-TW" dirty="0" smtClean="0"/>
-              <a:t> assert</a:t>
-            </a:r>
-            <a:r>
-              <a:rPr kumimoji="1" lang="zh-TW" altLang="en-US" dirty="0" smtClean="0"/>
-              <a:t> 來檢驗輸出</a:t>
-            </a:r>
-            <a:endParaRPr kumimoji="1" lang="en-US" altLang="zh-TW" dirty="0" smtClean="0"/>
-          </a:p>
-          <a:p>
-            <a:r>
-              <a:rPr kumimoji="1" lang="zh-TW" altLang="en-US" dirty="0" smtClean="0"/>
-              <a:t>避免測試程式碼出現在產品</a:t>
-            </a:r>
-            <a:endParaRPr kumimoji="1" lang="en-US" altLang="zh-TW" dirty="0" smtClean="0"/>
-          </a:p>
-          <a:p>
-            <a:r>
-              <a:rPr kumimoji="1" lang="zh-TW" altLang="en-US" dirty="0" smtClean="0"/>
-              <a:t>減低耦合</a:t>
-            </a:r>
-            <a:endParaRPr kumimoji="1" lang="en-US" altLang="zh-TW" dirty="0" smtClean="0"/>
-          </a:p>
-          <a:p>
-            <a:r>
-              <a:rPr kumimoji="1" lang="zh-TW" altLang="en-US" dirty="0" smtClean="0"/>
-              <a:t>撰寫小測試</a:t>
-            </a:r>
-            <a:endParaRPr kumimoji="1" lang="en-US" altLang="zh-TW" dirty="0" smtClean="0"/>
-          </a:p>
-          <a:p>
+              <a:rPr kumimoji="1" lang="zh-TW" altLang="zh-TW" dirty="0"/>
+              <a:t>?</a:t>
+            </a:r>
             <a:endParaRPr kumimoji="1" lang="zh-TW" altLang="en-US" dirty="0"/>
           </a:p>
         </p:txBody>
@@ -7268,7 +7221,7 @@
     </p:spTree>
     <p:extLst>
       <p:ext uri="{BB962C8B-B14F-4D97-AF65-F5344CB8AC3E}">
-        <p14:creationId xmlns:p14="http://schemas.microsoft.com/office/powerpoint/2010/main" val="1744515990"/>
+        <p14:creationId xmlns:p14="http://schemas.microsoft.com/office/powerpoint/2010/main" val="3741227493"/>
       </p:ext>
     </p:extLst>
   </p:cSld>
@@ -7312,19 +7265,7 @@
           <a:p>
             <a:r>
               <a:rPr kumimoji="1" lang="zh-TW" altLang="en-US" dirty="0" smtClean="0"/>
-              <a:t>單元</a:t>
-            </a:r>
-            <a:r>
-              <a:rPr kumimoji="1" lang="zh-TW" altLang="en-US" dirty="0" smtClean="0"/>
-              <a:t>測試</a:t>
-            </a:r>
-            <a:r>
-              <a:rPr kumimoji="1" lang="zh-TW" altLang="en-US" dirty="0" smtClean="0"/>
-              <a:t>撰寫</a:t>
-            </a:r>
-            <a:r>
-              <a:rPr kumimoji="1" lang="zh-TW" altLang="en-US" dirty="0" smtClean="0"/>
-              <a:t>原則</a:t>
+              <a:t>單元測試撰寫原則</a:t>
             </a:r>
             <a:endParaRPr kumimoji="1" lang="zh-TW" altLang="en-US" dirty="0"/>
           </a:p>
@@ -7347,7 +7288,169 @@
           <a:p>
             <a:r>
               <a:rPr kumimoji="1" lang="zh-TW" altLang="en-US" dirty="0" smtClean="0"/>
-              <a:t>開發前先瞭解怎麼做驗證</a:t>
+              <a:t>使用</a:t>
+            </a:r>
+            <a:r>
+              <a:rPr kumimoji="1" lang="en-US" altLang="zh-TW" dirty="0" smtClean="0"/>
+              <a:t> assert</a:t>
+            </a:r>
+            <a:r>
+              <a:rPr kumimoji="1" lang="zh-TW" altLang="en-US" dirty="0" smtClean="0"/>
+              <a:t> 來檢驗輸出</a:t>
+            </a:r>
+            <a:endParaRPr kumimoji="1" lang="en-US" altLang="zh-TW" dirty="0" smtClean="0"/>
+          </a:p>
+          <a:p>
+            <a:r>
+              <a:rPr kumimoji="1" lang="zh-TW" altLang="en-US" dirty="0" smtClean="0"/>
+              <a:t>避免測試程式碼出現在產品</a:t>
+            </a:r>
+            <a:endParaRPr kumimoji="1" lang="en-US" altLang="zh-TW" dirty="0" smtClean="0"/>
+          </a:p>
+          <a:p>
+            <a:r>
+              <a:rPr kumimoji="1" lang="zh-TW" altLang="en-US" dirty="0" smtClean="0"/>
+              <a:t>減低耦合</a:t>
+            </a:r>
+            <a:endParaRPr kumimoji="1" lang="en-US" altLang="zh-TW" dirty="0" smtClean="0"/>
+          </a:p>
+          <a:p>
+            <a:r>
+              <a:rPr kumimoji="1" lang="zh-TW" altLang="en-US" dirty="0" smtClean="0"/>
+              <a:t>撰寫小測試</a:t>
+            </a:r>
+            <a:endParaRPr kumimoji="1" lang="en-US" altLang="zh-TW" dirty="0" smtClean="0"/>
+          </a:p>
+          <a:p>
+            <a:endParaRPr kumimoji="1" lang="zh-TW" altLang="en-US" dirty="0"/>
+          </a:p>
+        </p:txBody>
+      </p:sp>
+    </p:spTree>
+    <p:extLst>
+      <p:ext uri="{BB962C8B-B14F-4D97-AF65-F5344CB8AC3E}">
+        <p14:creationId xmlns:p14="http://schemas.microsoft.com/office/powerpoint/2010/main" val="1744515990"/>
+      </p:ext>
+    </p:extLst>
+  </p:cSld>
+  <p:clrMapOvr>
+    <a:masterClrMapping/>
+  </p:clrMapOvr>
+</p:sld>
+</file>
+
+<file path=ppt/slides/slide16.xml><?xml version="1.0" encoding="utf-8"?>
+<p:sld xmlns:a="http://schemas.openxmlformats.org/drawingml/2006/main" xmlns:r="http://schemas.openxmlformats.org/officeDocument/2006/relationships" xmlns:p="http://schemas.openxmlformats.org/presentationml/2006/main">
+  <p:cSld>
+    <p:spTree>
+      <p:nvGrpSpPr>
+        <p:cNvPr id="1" name=""/>
+        <p:cNvGrpSpPr/>
+        <p:nvPr/>
+      </p:nvGrpSpPr>
+      <p:grpSpPr>
+        <a:xfrm>
+          <a:off x="0" y="0"/>
+          <a:ext cx="0" cy="0"/>
+          <a:chOff x="0" y="0"/>
+          <a:chExt cx="0" cy="0"/>
+        </a:xfrm>
+      </p:grpSpPr>
+      <p:sp>
+        <p:nvSpPr>
+          <p:cNvPr id="2" name="標題 1"/>
+          <p:cNvSpPr>
+            <a:spLocks noGrp="1"/>
+          </p:cNvSpPr>
+          <p:nvPr>
+            <p:ph type="title"/>
+          </p:nvPr>
+        </p:nvSpPr>
+        <p:spPr/>
+        <p:txBody>
+          <a:bodyPr/>
+          <a:lstStyle/>
+          <a:p>
+            <a:r>
+              <a:rPr kumimoji="1" lang="zh-TW" altLang="en-US" dirty="0" smtClean="0"/>
+              <a:t>單元測試撰寫原則</a:t>
+            </a:r>
+            <a:endParaRPr kumimoji="1" lang="zh-TW" altLang="en-US" dirty="0"/>
+          </a:p>
+        </p:txBody>
+      </p:sp>
+      <p:sp>
+        <p:nvSpPr>
+          <p:cNvPr id="3" name="內容版面配置區 2"/>
+          <p:cNvSpPr>
+            <a:spLocks noGrp="1"/>
+          </p:cNvSpPr>
+          <p:nvPr>
+            <p:ph idx="1"/>
+          </p:nvPr>
+        </p:nvSpPr>
+        <p:spPr/>
+        <p:txBody>
+          <a:bodyPr/>
+          <a:lstStyle/>
+          <a:p>
+            <a:r>
+              <a:rPr kumimoji="1" lang="zh-TW" altLang="en-US" dirty="0" smtClean="0"/>
+              <a:t>開發</a:t>
+            </a:r>
+            <a:r>
+              <a:rPr kumimoji="1" lang="zh-TW" altLang="en-US" dirty="0" smtClean="0"/>
+              <a:t>前先瞭解怎麼做驗證</a:t>
+            </a:r>
+            <a:r>
+              <a:rPr kumimoji="1" lang="en-US" altLang="zh-TW" dirty="0" smtClean="0"/>
+              <a:t> </a:t>
+            </a:r>
+          </a:p>
+          <a:p>
+            <a:pPr lvl="1"/>
+            <a:r>
+              <a:rPr kumimoji="1" lang="zh-TW" altLang="en-US" dirty="0" smtClean="0"/>
+              <a:t>測試先行</a:t>
+            </a:r>
+            <a:r>
+              <a:rPr kumimoji="1" lang="en-US" altLang="zh-TW" dirty="0" smtClean="0"/>
+              <a:t> </a:t>
+            </a:r>
+            <a:r>
+              <a:rPr kumimoji="1" lang="zh-TW" altLang="en-US" dirty="0" smtClean="0"/>
+              <a:t>或</a:t>
+            </a:r>
+            <a:r>
+              <a:rPr kumimoji="1" lang="zh-TW" altLang="zh-TW" dirty="0" smtClean="0"/>
+              <a:t> </a:t>
+            </a:r>
+            <a:r>
+              <a:rPr kumimoji="1" lang="en-US" altLang="zh-TW" dirty="0" smtClean="0"/>
+              <a:t>TDD</a:t>
+            </a:r>
+          </a:p>
+          <a:p>
+            <a:pPr lvl="1"/>
+            <a:r>
+              <a:rPr kumimoji="1" lang="zh-TW" altLang="en-US" dirty="0"/>
+              <a:t>開發的時候確保</a:t>
+            </a:r>
+            <a:r>
+              <a:rPr kumimoji="1" lang="en-US" altLang="zh-TW" dirty="0"/>
+              <a:t> function</a:t>
+            </a:r>
+            <a:r>
+              <a:rPr kumimoji="1" lang="zh-TW" altLang="en-US" dirty="0"/>
+              <a:t> 有明確的</a:t>
+            </a:r>
+            <a:r>
+              <a:rPr kumimoji="1" lang="en-US" altLang="zh-TW" dirty="0"/>
+              <a:t>input/</a:t>
+            </a:r>
+            <a:r>
+              <a:rPr kumimoji="1" lang="en-US" altLang="zh-TW" dirty="0" smtClean="0"/>
+              <a:t>output</a:t>
             </a:r>
             <a:endParaRPr kumimoji="1" lang="en-US" altLang="zh-TW" dirty="0"/>
           </a:p>
@@ -7365,61 +7468,42 @@
           <a:p>
             <a:pPr lvl="1"/>
             <a:r>
-              <a:rPr kumimoji="1" lang="en-US" altLang="zh-TW" dirty="0"/>
-              <a:t>DAO,</a:t>
+              <a:rPr kumimoji="1" lang="en-US" altLang="zh-TW" dirty="0" smtClean="0"/>
+              <a:t>DAO</a:t>
+            </a:r>
+            <a:endParaRPr kumimoji="1" lang="en-US" altLang="zh-TW" dirty="0"/>
+          </a:p>
+          <a:p>
+            <a:pPr lvl="1"/>
+            <a:r>
+              <a:rPr kumimoji="1" lang="zh-TW" altLang="zh-TW" dirty="0" smtClean="0"/>
+              <a:t>I</a:t>
+            </a:r>
+            <a:r>
+              <a:rPr kumimoji="1" lang="en-US" altLang="zh-TW" dirty="0" err="1" smtClean="0"/>
+              <a:t>ntegration</a:t>
+            </a:r>
+            <a:r>
+              <a:rPr kumimoji="1" lang="zh-TW" altLang="zh-TW" dirty="0"/>
+              <a:t>,</a:t>
             </a:r>
             <a:r>
               <a:rPr kumimoji="1" lang="zh-TW" altLang="en-US" dirty="0"/>
               <a:t> </a:t>
             </a:r>
             <a:r>
-              <a:rPr kumimoji="1" lang="zh-TW" altLang="zh-TW" dirty="0"/>
-              <a:t>I</a:t>
-            </a:r>
-            <a:r>
-              <a:rPr kumimoji="1" lang="en-US" altLang="zh-TW" dirty="0" err="1"/>
-              <a:t>ntegration</a:t>
-            </a:r>
-            <a:r>
-              <a:rPr kumimoji="1" lang="zh-TW" altLang="zh-TW" dirty="0"/>
-              <a:t>,</a:t>
+              <a:rPr kumimoji="1" lang="en-US" altLang="zh-TW" dirty="0"/>
+              <a:t>…</a:t>
             </a:r>
             <a:r>
               <a:rPr kumimoji="1" lang="zh-TW" altLang="en-US" dirty="0"/>
               <a:t> </a:t>
             </a:r>
             <a:r>
-              <a:rPr kumimoji="1" lang="en-US" altLang="zh-TW" dirty="0"/>
-              <a:t>…</a:t>
-            </a:r>
-            <a:r>
-              <a:rPr kumimoji="1" lang="zh-TW" altLang="en-US" dirty="0"/>
-              <a:t> </a:t>
-            </a:r>
-            <a:r>
               <a:rPr kumimoji="1" lang="en-US" altLang="zh-TW" dirty="0" err="1" smtClean="0"/>
               <a:t>etc</a:t>
             </a:r>
             <a:endParaRPr kumimoji="1" lang="en-US" altLang="zh-TW" dirty="0" smtClean="0"/>
-          </a:p>
-          <a:p>
-            <a:r>
-              <a:rPr kumimoji="1" lang="zh-TW" altLang="en-US" dirty="0" smtClean="0"/>
-              <a:t>開發的時候確保</a:t>
-            </a:r>
-            <a:r>
-              <a:rPr kumimoji="1" lang="en-US" altLang="zh-TW" dirty="0" smtClean="0"/>
-              <a:t> function</a:t>
-            </a:r>
-            <a:r>
-              <a:rPr kumimoji="1" lang="zh-TW" altLang="en-US" dirty="0" smtClean="0"/>
-              <a:t> 有明確的</a:t>
-            </a:r>
-            <a:r>
-              <a:rPr kumimoji="1" lang="en-US" altLang="zh-TW" dirty="0" smtClean="0"/>
-              <a:t>input/output</a:t>
-            </a:r>
-            <a:endParaRPr kumimoji="1" lang="en-US" altLang="zh-TW" dirty="0"/>
           </a:p>
         </p:txBody>
       </p:sp>
@@ -8516,6 +8600,42 @@
               <a:rPr lang="zh-TW" altLang="en-US" dirty="0" smtClean="0"/>
               <a:t>方法</a:t>
             </a:r>
+            <a:endParaRPr lang="en-US" altLang="zh-TW" dirty="0" smtClean="0"/>
+          </a:p>
+          <a:p>
+            <a:pPr lvl="1"/>
+            <a:r>
+              <a:rPr lang="zh-TW" altLang="zh-TW" dirty="0" smtClean="0"/>
+              <a:t>v</a:t>
+            </a:r>
+            <a:r>
+              <a:rPr lang="en-US" altLang="zh-TW" dirty="0" err="1" smtClean="0"/>
+              <a:t>erify</a:t>
+            </a:r>
+            <a:r>
+              <a:rPr lang="en-US" altLang="zh-TW" dirty="0" smtClean="0"/>
+              <a:t>.(</a:t>
+            </a:r>
+            <a:r>
+              <a:rPr lang="zh-TW" altLang="en-US" dirty="0" smtClean="0"/>
+              <a:t>物件</a:t>
+            </a:r>
+            <a:r>
+              <a:rPr lang="en-US" altLang="zh-TW" dirty="0" smtClean="0"/>
+              <a:t>,</a:t>
+            </a:r>
+            <a:r>
+              <a:rPr lang="zh-TW" altLang="en-US" dirty="0" smtClean="0"/>
+              <a:t> </a:t>
+            </a:r>
+            <a:r>
+              <a:rPr lang="en-US" altLang="zh-TW" dirty="0" smtClean="0"/>
+              <a:t>times(n)).</a:t>
+            </a:r>
+            <a:r>
+              <a:rPr lang="zh-TW" altLang="en-US" dirty="0" smtClean="0"/>
+              <a:t>方法</a:t>
+            </a:r>
             <a:endParaRPr lang="en-US" altLang="zh-TW" dirty="0"/>
           </a:p>
         </p:txBody>
@@ -8709,11 +8829,7 @@
           <a:p>
             <a:r>
               <a:rPr kumimoji="1" lang="en-US" altLang="zh-TW" dirty="0" smtClean="0"/>
-              <a:t>Q</a:t>
-            </a:r>
-            <a:r>
-              <a:rPr kumimoji="1" lang="en-US" altLang="zh-TW" dirty="0" smtClean="0"/>
-              <a:t>&amp;A</a:t>
+              <a:t>Q&amp;A</a:t>
             </a:r>
             <a:endParaRPr kumimoji="1" lang="zh-TW" altLang="en-US" dirty="0"/>
           </a:p>
@@ -8736,11 +8852,7 @@
           <a:p>
             <a:r>
               <a:rPr kumimoji="1" lang="en-US" altLang="zh-TW" dirty="0" smtClean="0"/>
-              <a:t>Q</a:t>
-            </a:r>
-            <a:r>
-              <a:rPr kumimoji="1" lang="en-US" altLang="zh-TW" dirty="0" smtClean="0"/>
-              <a:t>uestion</a:t>
+              <a:t>Question</a:t>
             </a:r>
             <a:r>
               <a:rPr kumimoji="1" lang="zh-TW" altLang="en-US" dirty="0" smtClean="0"/>

--- a/HYT - UnitTest.pptx
+++ b/HYT - UnitTest.pptx
@@ -6,7 +6,7 @@
     <p:sldMasterId id="2147483665" r:id="rId2"/>
   </p:sldMasterIdLst>
   <p:notesMasterIdLst>
-    <p:notesMasterId r:id="rId19"/>
+    <p:notesMasterId r:id="rId20"/>
   </p:notesMasterIdLst>
   <p:sldIdLst>
     <p:sldId id="457" r:id="rId3"/>
@@ -25,6 +25,7 @@
     <p:sldId id="542" r:id="rId16"/>
     <p:sldId id="539" r:id="rId17"/>
     <p:sldId id="540" r:id="rId18"/>
+    <p:sldId id="544" r:id="rId19"/>
   </p:sldIdLst>
   <p:sldSz cx="9144000" cy="6858000" type="screen4x3"/>
   <p:notesSz cx="6858000" cy="9144000"/>
@@ -125,7 +126,7 @@
   </p:defaultTextStyle>
   <p:extLst>
     <p:ext uri="{EFAFB233-063F-42B5-8137-9DF3F51BA10A}">
-      <p15:sldGuideLst xmlns="" xmlns:p15="http://schemas.microsoft.com/office/powerpoint/2012/main">
+      <p15:sldGuideLst xmlns:p15="http://schemas.microsoft.com/office/powerpoint/2012/main" xmlns="">
         <p15:guide id="1" orient="horz" pos="2160">
           <p15:clr>
             <a:srgbClr val="A4A3A4"/>
@@ -225,7 +226,7 @@
             <a:fld id="{D58A632B-421F-4AEE-8E0F-5D15110A864B}" type="datetimeFigureOut">
               <a:rPr lang="zh-TW" altLang="en-US" smtClean="0"/>
               <a:pPr/>
-              <a:t>15/8/14</a:t>
+              <a:t>2015/8/14</a:t>
             </a:fld>
             <a:endParaRPr lang="zh-TW" altLang="en-US"/>
           </a:p>
@@ -583,6 +584,93 @@
 </p:notes>
 </file>
 
+<file path=ppt/notesSlides/notesSlide2.xml><?xml version="1.0" encoding="utf-8"?>
+<p:notes xmlns:a="http://schemas.openxmlformats.org/drawingml/2006/main" xmlns:r="http://schemas.openxmlformats.org/officeDocument/2006/relationships" xmlns:p="http://schemas.openxmlformats.org/presentationml/2006/main">
+  <p:cSld>
+    <p:spTree>
+      <p:nvGrpSpPr>
+        <p:cNvPr id="1" name=""/>
+        <p:cNvGrpSpPr/>
+        <p:nvPr/>
+      </p:nvGrpSpPr>
+      <p:grpSpPr>
+        <a:xfrm>
+          <a:off x="0" y="0"/>
+          <a:ext cx="0" cy="0"/>
+          <a:chOff x="0" y="0"/>
+          <a:chExt cx="0" cy="0"/>
+        </a:xfrm>
+      </p:grpSpPr>
+      <p:sp>
+        <p:nvSpPr>
+          <p:cNvPr id="2" name="投影片圖像版面配置區 1"/>
+          <p:cNvSpPr>
+            <a:spLocks noGrp="1" noRot="1" noChangeAspect="1"/>
+          </p:cNvSpPr>
+          <p:nvPr>
+            <p:ph type="sldImg"/>
+          </p:nvPr>
+        </p:nvSpPr>
+        <p:spPr/>
+      </p:sp>
+      <p:sp>
+        <p:nvSpPr>
+          <p:cNvPr id="3" name="備忘稿版面配置區 2"/>
+          <p:cNvSpPr>
+            <a:spLocks noGrp="1"/>
+          </p:cNvSpPr>
+          <p:nvPr>
+            <p:ph type="body" idx="1"/>
+          </p:nvPr>
+        </p:nvSpPr>
+        <p:spPr/>
+        <p:txBody>
+          <a:bodyPr>
+            <a:normAutofit/>
+          </a:bodyPr>
+          <a:lstStyle/>
+          <a:p>
+            <a:endParaRPr lang="zh-TW" altLang="en-US"/>
+          </a:p>
+        </p:txBody>
+      </p:sp>
+      <p:sp>
+        <p:nvSpPr>
+          <p:cNvPr id="4" name="投影片編號版面配置區 3"/>
+          <p:cNvSpPr>
+            <a:spLocks noGrp="1"/>
+          </p:cNvSpPr>
+          <p:nvPr>
+            <p:ph type="sldNum" sz="quarter" idx="10"/>
+          </p:nvPr>
+        </p:nvSpPr>
+        <p:spPr/>
+        <p:txBody>
+          <a:bodyPr/>
+          <a:lstStyle/>
+          <a:p>
+            <a:fld id="{3635EED5-D32A-4638-82F3-2F98055B38E1}" type="slidenum">
+              <a:rPr lang="zh-TW" altLang="en-US" smtClean="0"/>
+              <a:pPr/>
+              <a:t>17</a:t>
+            </a:fld>
+            <a:endParaRPr lang="zh-TW" altLang="en-US"/>
+          </a:p>
+        </p:txBody>
+      </p:sp>
+    </p:spTree>
+    <p:extLst>
+      <p:ext uri="{BB962C8B-B14F-4D97-AF65-F5344CB8AC3E}">
+        <p14:creationId xmlns:p14="http://schemas.microsoft.com/office/powerpoint/2010/main" val="495062521"/>
+      </p:ext>
+    </p:extLst>
+  </p:cSld>
+  <p:clrMapOvr>
+    <a:masterClrMapping/>
+  </p:clrMapOvr>
+</p:notes>
+</file>
+
 <file path=ppt/slideLayouts/slideLayout1.xml><?xml version="1.0" encoding="utf-8"?>
 <p:sldLayout xmlns:a="http://schemas.openxmlformats.org/drawingml/2006/main" xmlns:r="http://schemas.openxmlformats.org/officeDocument/2006/relationships" xmlns:p="http://schemas.openxmlformats.org/presentationml/2006/main" type="title" preserve="1">
   <p:cSld name="1_標題投影片">
@@ -1281,7 +1369,7 @@
             <a:fld id="{55BAC541-00CA-4482-9039-1FCA4BCF1C21}" type="datetimeFigureOut">
               <a:rPr lang="zh-TW" altLang="en-US" smtClean="0"/>
               <a:pPr/>
-              <a:t>15/8/14</a:t>
+              <a:t>2015/8/14</a:t>
             </a:fld>
             <a:endParaRPr lang="zh-TW" altLang="en-US"/>
           </a:p>
@@ -1403,7 +1491,7 @@
             <a:fld id="{55BAC541-00CA-4482-9039-1FCA4BCF1C21}" type="datetimeFigureOut">
               <a:rPr lang="zh-TW" altLang="en-US" smtClean="0"/>
               <a:pPr/>
-              <a:t>15/8/14</a:t>
+              <a:t>2015/8/14</a:t>
             </a:fld>
             <a:endParaRPr lang="zh-TW" altLang="en-US"/>
           </a:p>
@@ -1502,7 +1590,7 @@
             <a:fld id="{55BAC541-00CA-4482-9039-1FCA4BCF1C21}" type="datetimeFigureOut">
               <a:rPr lang="zh-TW" altLang="en-US" smtClean="0"/>
               <a:pPr/>
-              <a:t>15/8/14</a:t>
+              <a:t>2015/8/14</a:t>
             </a:fld>
             <a:endParaRPr lang="zh-TW" altLang="en-US"/>
           </a:p>
@@ -1783,7 +1871,7 @@
             <a:fld id="{55BAC541-00CA-4482-9039-1FCA4BCF1C21}" type="datetimeFigureOut">
               <a:rPr lang="zh-TW" altLang="en-US" smtClean="0"/>
               <a:pPr/>
-              <a:t>15/8/14</a:t>
+              <a:t>2015/8/14</a:t>
             </a:fld>
             <a:endParaRPr lang="zh-TW" altLang="en-US"/>
           </a:p>
@@ -2040,7 +2128,7 @@
             <a:fld id="{55BAC541-00CA-4482-9039-1FCA4BCF1C21}" type="datetimeFigureOut">
               <a:rPr lang="zh-TW" altLang="en-US" smtClean="0"/>
               <a:pPr/>
-              <a:t>15/8/14</a:t>
+              <a:t>2015/8/14</a:t>
             </a:fld>
             <a:endParaRPr lang="zh-TW" altLang="en-US"/>
           </a:p>
@@ -2214,7 +2302,7 @@
             <a:fld id="{55BAC541-00CA-4482-9039-1FCA4BCF1C21}" type="datetimeFigureOut">
               <a:rPr lang="zh-TW" altLang="en-US" smtClean="0"/>
               <a:pPr/>
-              <a:t>15/8/14</a:t>
+              <a:t>2015/8/14</a:t>
             </a:fld>
             <a:endParaRPr lang="zh-TW" altLang="en-US"/>
           </a:p>
@@ -2398,7 +2486,7 @@
             <a:fld id="{55BAC541-00CA-4482-9039-1FCA4BCF1C21}" type="datetimeFigureOut">
               <a:rPr lang="zh-TW" altLang="en-US" smtClean="0"/>
               <a:pPr/>
-              <a:t>15/8/14</a:t>
+              <a:t>2015/8/14</a:t>
             </a:fld>
             <a:endParaRPr lang="zh-TW" altLang="en-US"/>
           </a:p>
@@ -2652,7 +2740,7 @@
             <a:fld id="{E7E32FE3-0169-48DF-9D7C-571D71534177}" type="datetimeFigureOut">
               <a:rPr lang="zh-TW" altLang="en-US" smtClean="0"/>
               <a:pPr/>
-              <a:t>15/8/14</a:t>
+              <a:t>2015/8/14</a:t>
             </a:fld>
             <a:endParaRPr lang="zh-TW" altLang="en-US"/>
           </a:p>
@@ -2980,7 +3068,7 @@
             <a:fld id="{E7E32FE3-0169-48DF-9D7C-571D71534177}" type="datetimeFigureOut">
               <a:rPr lang="zh-TW" altLang="en-US" smtClean="0"/>
               <a:pPr/>
-              <a:t>15/8/14</a:t>
+              <a:t>2015/8/14</a:t>
             </a:fld>
             <a:endParaRPr lang="zh-TW" altLang="en-US"/>
           </a:p>
@@ -4560,7 +4648,7 @@
             <a:fld id="{55BAC541-00CA-4482-9039-1FCA4BCF1C21}" type="datetimeFigureOut">
               <a:rPr lang="zh-TW" altLang="en-US" smtClean="0"/>
               <a:pPr/>
-              <a:t>15/8/14</a:t>
+              <a:t>2015/8/14</a:t>
             </a:fld>
             <a:endParaRPr lang="zh-TW" altLang="en-US"/>
           </a:p>
@@ -4810,7 +4898,7 @@
             <a:fld id="{55BAC541-00CA-4482-9039-1FCA4BCF1C21}" type="datetimeFigureOut">
               <a:rPr lang="zh-TW" altLang="en-US" smtClean="0"/>
               <a:pPr/>
-              <a:t>15/8/14</a:t>
+              <a:t>2015/8/14</a:t>
             </a:fld>
             <a:endParaRPr lang="zh-TW" altLang="en-US"/>
           </a:p>
@@ -5102,7 +5190,7 @@
             <a:fld id="{55BAC541-00CA-4482-9039-1FCA4BCF1C21}" type="datetimeFigureOut">
               <a:rPr lang="zh-TW" altLang="en-US" smtClean="0"/>
               <a:pPr/>
-              <a:t>15/8/14</a:t>
+              <a:t>2015/8/14</a:t>
             </a:fld>
             <a:endParaRPr lang="zh-TW" altLang="en-US"/>
           </a:p>
@@ -5942,7 +6030,7 @@
             <a:fld id="{55BAC541-00CA-4482-9039-1FCA4BCF1C21}" type="datetimeFigureOut">
               <a:rPr lang="zh-TW" altLang="en-US" smtClean="0"/>
               <a:pPr/>
-              <a:t>15/8/14</a:t>
+              <a:t>2015/8/14</a:t>
             </a:fld>
             <a:endParaRPr lang="zh-TW" altLang="en-US"/>
           </a:p>
@@ -6592,6 +6680,13 @@
   <p:clrMapOvr>
     <a:masterClrMapping/>
   </p:clrMapOvr>
+  <p:timing>
+    <p:tnLst>
+      <p:par>
+        <p:cTn xmlns:p14="http://schemas.microsoft.com/office/powerpoint/2010/main" id="1" dur="indefinite" restart="never" nodeType="tmRoot"/>
+      </p:par>
+    </p:tnLst>
+  </p:timing>
 </p:sld>
 </file>
 
@@ -6773,6 +6868,13 @@
   <p:clrMapOvr>
     <a:masterClrMapping/>
   </p:clrMapOvr>
+  <p:timing>
+    <p:tnLst>
+      <p:par>
+        <p:cTn xmlns:p14="http://schemas.microsoft.com/office/powerpoint/2010/main" id="1" dur="indefinite" restart="never" nodeType="tmRoot"/>
+      </p:par>
+    </p:tnLst>
+  </p:timing>
 </p:sld>
 </file>
 
@@ -7043,6 +7145,13 @@
   <p:clrMapOvr>
     <a:masterClrMapping/>
   </p:clrMapOvr>
+  <p:timing>
+    <p:tnLst>
+      <p:par>
+        <p:cTn xmlns:p14="http://schemas.microsoft.com/office/powerpoint/2010/main" id="1" dur="indefinite" restart="never" nodeType="tmRoot"/>
+      </p:par>
+    </p:tnLst>
+  </p:timing>
 </p:sld>
 </file>
 
@@ -7148,6 +7257,13 @@
   <p:clrMapOvr>
     <a:masterClrMapping/>
   </p:clrMapOvr>
+  <p:timing>
+    <p:tnLst>
+      <p:par>
+        <p:cTn xmlns:p14="http://schemas.microsoft.com/office/powerpoint/2010/main" id="1" dur="indefinite" restart="never" nodeType="tmRoot"/>
+      </p:par>
+    </p:tnLst>
+  </p:timing>
 </p:sld>
 </file>
 
@@ -7211,8 +7327,16 @@
           <a:lstStyle/>
           <a:p>
             <a:r>
-              <a:rPr kumimoji="1" lang="zh-TW" altLang="zh-TW" dirty="0"/>
-              <a:t>?</a:t>
+              <a:rPr kumimoji="1" lang="zh-TW" altLang="en-US" dirty="0" smtClean="0"/>
+              <a:t>一般</a:t>
+            </a:r>
+            <a:r>
+              <a:rPr kumimoji="1" lang="zh-TW" altLang="en-US" dirty="0" smtClean="0"/>
+              <a:t>情況下，測試</a:t>
+            </a:r>
+            <a:r>
+              <a:rPr kumimoji="1" lang="zh-TW" altLang="en-US" dirty="0" smtClean="0"/>
+              <a:t>介接的目的只為了測試接口是否正常及確認資料正確性。</a:t>
             </a:r>
             <a:endParaRPr kumimoji="1" lang="zh-TW" altLang="en-US" dirty="0"/>
           </a:p>
@@ -7228,6 +7352,85 @@
   <p:clrMapOvr>
     <a:masterClrMapping/>
   </p:clrMapOvr>
+  <p:timing>
+    <p:tnLst>
+      <p:par>
+        <p:cTn xmlns:p14="http://schemas.microsoft.com/office/powerpoint/2010/main" id="1" dur="indefinite" restart="never" nodeType="tmRoot">
+          <p:childTnLst>
+            <p:seq concurrent="1" nextAc="seek">
+              <p:cTn id="2" dur="indefinite" nodeType="mainSeq">
+                <p:childTnLst>
+                  <p:par>
+                    <p:cTn id="3" fill="hold">
+                      <p:stCondLst>
+                        <p:cond delay="indefinite"/>
+                      </p:stCondLst>
+                      <p:childTnLst>
+                        <p:par>
+                          <p:cTn id="4" fill="hold">
+                            <p:stCondLst>
+                              <p:cond delay="0"/>
+                            </p:stCondLst>
+                            <p:childTnLst>
+                              <p:par>
+                                <p:cTn id="5" presetID="1" presetClass="entr" presetSubtype="0" fill="hold" nodeType="clickEffect">
+                                  <p:stCondLst>
+                                    <p:cond delay="0"/>
+                                  </p:stCondLst>
+                                  <p:childTnLst>
+                                    <p:set>
+                                      <p:cBhvr>
+                                        <p:cTn id="6" dur="1" fill="hold">
+                                          <p:stCondLst>
+                                            <p:cond delay="0"/>
+                                          </p:stCondLst>
+                                        </p:cTn>
+                                        <p:tgtEl>
+                                          <p:spTgt spid="3">
+                                            <p:txEl>
+                                              <p:pRg st="0" end="0"/>
+                                            </p:txEl>
+                                          </p:spTgt>
+                                        </p:tgtEl>
+                                        <p:attrNameLst>
+                                          <p:attrName>style.visibility</p:attrName>
+                                        </p:attrNameLst>
+                                      </p:cBhvr>
+                                      <p:to>
+                                        <p:strVal val="visible"/>
+                                      </p:to>
+                                    </p:set>
+                                  </p:childTnLst>
+                                </p:cTn>
+                              </p:par>
+                            </p:childTnLst>
+                          </p:cTn>
+                        </p:par>
+                      </p:childTnLst>
+                    </p:cTn>
+                  </p:par>
+                </p:childTnLst>
+              </p:cTn>
+              <p:prevCondLst>
+                <p:cond evt="onPrev" delay="0">
+                  <p:tgtEl>
+                    <p:sldTgt/>
+                  </p:tgtEl>
+                </p:cond>
+              </p:prevCondLst>
+              <p:nextCondLst>
+                <p:cond evt="onNext" delay="0">
+                  <p:tgtEl>
+                    <p:sldTgt/>
+                  </p:tgtEl>
+                </p:cond>
+              </p:nextCondLst>
+            </p:seq>
+          </p:childTnLst>
+        </p:cTn>
+      </p:par>
+    </p:tnLst>
+  </p:timing>
 </p:sld>
 </file>
 
@@ -7336,6 +7539,13 @@
   <p:clrMapOvr>
     <a:masterClrMapping/>
   </p:clrMapOvr>
+  <p:timing>
+    <p:tnLst>
+      <p:par>
+        <p:cTn xmlns:p14="http://schemas.microsoft.com/office/powerpoint/2010/main" id="1" dur="indefinite" restart="never" nodeType="tmRoot"/>
+      </p:par>
+    </p:tnLst>
+  </p:timing>
 </p:sld>
 </file>
 
@@ -7396,11 +7606,7 @@
           <a:p>
             <a:r>
               <a:rPr kumimoji="1" lang="zh-TW" altLang="en-US" dirty="0" smtClean="0"/>
-              <a:t>開發</a:t>
-            </a:r>
-            <a:r>
-              <a:rPr kumimoji="1" lang="zh-TW" altLang="en-US" dirty="0" smtClean="0"/>
-              <a:t>前先瞭解怎麼做驗證</a:t>
+              <a:t>開發前先瞭解怎麼做驗證</a:t>
             </a:r>
             <a:r>
               <a:rPr kumimoji="1" lang="en-US" altLang="zh-TW" dirty="0" smtClean="0"/>
@@ -7517,6 +7723,82 @@
   <p:clrMapOvr>
     <a:masterClrMapping/>
   </p:clrMapOvr>
+  <p:timing>
+    <p:tnLst>
+      <p:par>
+        <p:cTn xmlns:p14="http://schemas.microsoft.com/office/powerpoint/2010/main" id="1" dur="indefinite" restart="never" nodeType="tmRoot"/>
+      </p:par>
+    </p:tnLst>
+  </p:timing>
+</p:sld>
+</file>
+
+<file path=ppt/slides/slide17.xml><?xml version="1.0" encoding="utf-8"?>
+<p:sld xmlns:a="http://schemas.openxmlformats.org/drawingml/2006/main" xmlns:r="http://schemas.openxmlformats.org/officeDocument/2006/relationships" xmlns:p="http://schemas.openxmlformats.org/presentationml/2006/main">
+  <p:cSld>
+    <p:spTree>
+      <p:nvGrpSpPr>
+        <p:cNvPr id="1" name=""/>
+        <p:cNvGrpSpPr/>
+        <p:nvPr/>
+      </p:nvGrpSpPr>
+      <p:grpSpPr>
+        <a:xfrm>
+          <a:off x="0" y="0"/>
+          <a:ext cx="0" cy="0"/>
+          <a:chOff x="0" y="0"/>
+          <a:chExt cx="0" cy="0"/>
+        </a:xfrm>
+      </p:grpSpPr>
+      <p:sp>
+        <p:nvSpPr>
+          <p:cNvPr id="4" name="標題 3"/>
+          <p:cNvSpPr>
+            <a:spLocks noGrp="1"/>
+          </p:cNvSpPr>
+          <p:nvPr>
+            <p:ph type="ctrTitle"/>
+          </p:nvPr>
+        </p:nvSpPr>
+        <p:spPr/>
+        <p:txBody>
+          <a:bodyPr/>
+          <a:lstStyle/>
+          <a:p>
+            <a:pPr algn="ctr"/>
+            <a:r>
+              <a:rPr lang="en-US" altLang="zh-TW" sz="3600" b="1" dirty="0" smtClean="0"/>
+              <a:t>THE</a:t>
+            </a:r>
+            <a:r>
+              <a:rPr lang="zh-TW" altLang="en-US" sz="3600" b="1" dirty="0" smtClean="0"/>
+              <a:t> </a:t>
+            </a:r>
+            <a:r>
+              <a:rPr lang="en-US" altLang="zh-TW" sz="3600" b="1" dirty="0" smtClean="0"/>
+              <a:t>END~</a:t>
+            </a:r>
+            <a:endParaRPr lang="zh-TW" altLang="en-US" sz="3600" b="1" dirty="0"/>
+          </a:p>
+        </p:txBody>
+      </p:sp>
+    </p:spTree>
+    <p:extLst>
+      <p:ext uri="{BB962C8B-B14F-4D97-AF65-F5344CB8AC3E}">
+        <p14:creationId xmlns:p14="http://schemas.microsoft.com/office/powerpoint/2010/main" val="855368589"/>
+      </p:ext>
+    </p:extLst>
+  </p:cSld>
+  <p:clrMapOvr>
+    <a:masterClrMapping/>
+  </p:clrMapOvr>
+  <p:timing>
+    <p:tnLst>
+      <p:par>
+        <p:cTn xmlns:p14="http://schemas.microsoft.com/office/powerpoint/2010/main" id="1" dur="indefinite" restart="never" nodeType="tmRoot"/>
+      </p:par>
+    </p:tnLst>
+  </p:timing>
 </p:sld>
 </file>
 
@@ -7712,31 +7994,17 @@
           <a:lstStyle/>
           <a:p>
             <a:r>
-              <a:rPr lang="en-US" altLang="zh-TW" dirty="0" err="1" smtClean="0"/>
-              <a:t>Junit</a:t>
-            </a:r>
-            <a:endParaRPr lang="en-US" altLang="zh-TW" dirty="0" smtClean="0"/>
-          </a:p>
-          <a:p>
-            <a:pPr lvl="1"/>
-            <a:endParaRPr lang="en-US" altLang="zh-TW" dirty="0" smtClean="0"/>
-          </a:p>
-          <a:p>
-            <a:r>
-              <a:rPr lang="en-US" altLang="zh-TW" dirty="0" err="1" smtClean="0"/>
-              <a:t>Mockito</a:t>
-            </a:r>
-            <a:endParaRPr lang="en-US" altLang="zh-TW" dirty="0" smtClean="0"/>
-          </a:p>
-          <a:p>
-            <a:pPr lvl="1"/>
-            <a:r>
               <a:rPr lang="zh-TW" altLang="en-US" dirty="0" smtClean="0"/>
-              <a:t>在實作中做假資料來做測試</a:t>
-            </a:r>
-            <a:endParaRPr lang="en-US" altLang="zh-TW" dirty="0" smtClean="0"/>
-          </a:p>
-          <a:p>
+              <a:t>最小的測試單位（</a:t>
+            </a:r>
+            <a:r>
+              <a:rPr lang="en-US" altLang="zh-TW" dirty="0" smtClean="0"/>
+              <a:t>function</a:t>
+            </a:r>
+            <a:r>
+              <a:rPr lang="zh-TW" altLang="en-US" dirty="0" smtClean="0"/>
+              <a:t>）</a:t>
+            </a:r>
             <a:endParaRPr lang="en-US" altLang="zh-TW" dirty="0" smtClean="0"/>
           </a:p>
         </p:txBody>
@@ -7780,7 +8048,7 @@
                             </p:stCondLst>
                             <p:childTnLst>
                               <p:par>
-                                <p:cTn id="5" presetID="10" presetClass="entr" presetSubtype="0" fill="hold" nodeType="clickEffect">
+                                <p:cTn id="5" presetID="22" presetClass="entr" presetSubtype="4" fill="hold" grpId="0" nodeType="clickEffect">
                                   <p:stCondLst>
                                     <p:cond delay="0"/>
                                   </p:stCondLst>
@@ -7788,128 +8056,6 @@
                                     <p:set>
                                       <p:cBhvr>
                                         <p:cTn id="6" dur="1" fill="hold">
-                                          <p:stCondLst>
-                                            <p:cond delay="0"/>
-                                          </p:stCondLst>
-                                        </p:cTn>
-                                        <p:tgtEl>
-                                          <p:spTgt spid="3">
-                                            <p:txEl>
-                                              <p:pRg st="2" end="2"/>
-                                            </p:txEl>
-                                          </p:spTgt>
-                                        </p:tgtEl>
-                                        <p:attrNameLst>
-                                          <p:attrName>style.visibility</p:attrName>
-                                        </p:attrNameLst>
-                                      </p:cBhvr>
-                                      <p:to>
-                                        <p:strVal val="visible"/>
-                                      </p:to>
-                                    </p:set>
-                                    <p:animEffect transition="in" filter="fade">
-                                      <p:cBhvr>
-                                        <p:cTn id="7" dur="500"/>
-                                        <p:tgtEl>
-                                          <p:spTgt spid="3">
-                                            <p:txEl>
-                                              <p:pRg st="2" end="2"/>
-                                            </p:txEl>
-                                          </p:spTgt>
-                                        </p:tgtEl>
-                                      </p:cBhvr>
-                                    </p:animEffect>
-                                  </p:childTnLst>
-                                </p:cTn>
-                              </p:par>
-                            </p:childTnLst>
-                          </p:cTn>
-                        </p:par>
-                      </p:childTnLst>
-                    </p:cTn>
-                  </p:par>
-                  <p:par>
-                    <p:cTn id="8" fill="hold">
-                      <p:stCondLst>
-                        <p:cond delay="indefinite"/>
-                      </p:stCondLst>
-                      <p:childTnLst>
-                        <p:par>
-                          <p:cTn id="9" fill="hold">
-                            <p:stCondLst>
-                              <p:cond delay="0"/>
-                            </p:stCondLst>
-                            <p:childTnLst>
-                              <p:par>
-                                <p:cTn id="10" presetID="10" presetClass="entr" presetSubtype="0" fill="hold" nodeType="clickEffect">
-                                  <p:stCondLst>
-                                    <p:cond delay="0"/>
-                                  </p:stCondLst>
-                                  <p:childTnLst>
-                                    <p:set>
-                                      <p:cBhvr>
-                                        <p:cTn id="11" dur="1" fill="hold">
-                                          <p:stCondLst>
-                                            <p:cond delay="0"/>
-                                          </p:stCondLst>
-                                        </p:cTn>
-                                        <p:tgtEl>
-                                          <p:spTgt spid="3">
-                                            <p:txEl>
-                                              <p:pRg st="3" end="3"/>
-                                            </p:txEl>
-                                          </p:spTgt>
-                                        </p:tgtEl>
-                                        <p:attrNameLst>
-                                          <p:attrName>style.visibility</p:attrName>
-                                        </p:attrNameLst>
-                                      </p:cBhvr>
-                                      <p:to>
-                                        <p:strVal val="visible"/>
-                                      </p:to>
-                                    </p:set>
-                                    <p:animEffect transition="in" filter="fade">
-                                      <p:cBhvr>
-                                        <p:cTn id="12" dur="500"/>
-                                        <p:tgtEl>
-                                          <p:spTgt spid="3">
-                                            <p:txEl>
-                                              <p:pRg st="3" end="3"/>
-                                            </p:txEl>
-                                          </p:spTgt>
-                                        </p:tgtEl>
-                                      </p:cBhvr>
-                                    </p:animEffect>
-                                  </p:childTnLst>
-                                </p:cTn>
-                              </p:par>
-                            </p:childTnLst>
-                          </p:cTn>
-                        </p:par>
-                      </p:childTnLst>
-                    </p:cTn>
-                  </p:par>
-                  <p:par>
-                    <p:cTn id="13" fill="hold">
-                      <p:stCondLst>
-                        <p:cond delay="indefinite"/>
-                      </p:stCondLst>
-                      <p:childTnLst>
-                        <p:par>
-                          <p:cTn id="14" fill="hold">
-                            <p:stCondLst>
-                              <p:cond delay="0"/>
-                            </p:stCondLst>
-                            <p:childTnLst>
-                              <p:par>
-                                <p:cTn id="15" presetID="10" presetClass="entr" presetSubtype="0" fill="hold" nodeType="clickEffect">
-                                  <p:stCondLst>
-                                    <p:cond delay="0"/>
-                                  </p:stCondLst>
-                                  <p:childTnLst>
-                                    <p:set>
-                                      <p:cBhvr>
-                                        <p:cTn id="16" dur="1" fill="hold">
                                           <p:stCondLst>
                                             <p:cond delay="0"/>
                                           </p:stCondLst>
@@ -7929,9 +8075,9 @@
                                         <p:strVal val="visible"/>
                                       </p:to>
                                     </p:set>
-                                    <p:animEffect transition="in" filter="fade">
+                                    <p:animEffect transition="in" filter="wipe(down)">
                                       <p:cBhvr>
-                                        <p:cTn id="17" dur="500"/>
+                                        <p:cTn id="7" dur="500"/>
                                         <p:tgtEl>
                                           <p:spTgt spid="3">
                                             <p:txEl>
@@ -7971,6 +8117,9 @@
         </p:cTn>
       </p:par>
     </p:tnLst>
+    <p:bldLst>
+      <p:bldP spid="3" grpId="0" build="p"/>
+    </p:bldLst>
   </p:timing>
 </p:sld>
 </file>
@@ -8043,6 +8192,15 @@
             <a:endParaRPr lang="en-US" altLang="zh-TW" dirty="0" smtClean="0"/>
           </a:p>
           <a:p>
+            <a:pPr lvl="1"/>
+            <a:r>
+              <a:rPr lang="zh-TW" altLang="en-US" dirty="0" smtClean="0"/>
+              <a:t>確保每個元件的正確性</a:t>
+            </a:r>
+            <a:endParaRPr lang="en-US" altLang="zh-TW" dirty="0" smtClean="0"/>
+          </a:p>
+          <a:p>
+            <a:pPr lvl="1"/>
             <a:endParaRPr lang="en-US" altLang="zh-TW" dirty="0"/>
           </a:p>
           <a:p>
@@ -8053,6 +8211,15 @@
             <a:endParaRPr lang="en-US" altLang="zh-TW" dirty="0" smtClean="0"/>
           </a:p>
           <a:p>
+            <a:pPr lvl="1"/>
+            <a:r>
+              <a:rPr lang="zh-TW" altLang="en-US" dirty="0" smtClean="0"/>
+              <a:t>對物件做假資料，以利測試可正常運行</a:t>
+            </a:r>
+            <a:endParaRPr lang="en-US" altLang="zh-TW" dirty="0" smtClean="0"/>
+          </a:p>
+          <a:p>
+            <a:pPr lvl="1"/>
             <a:endParaRPr lang="en-US" altLang="zh-TW" dirty="0"/>
           </a:p>
           <a:p>
@@ -8066,9 +8233,9 @@
             <a:pPr lvl="1"/>
             <a:r>
               <a:rPr lang="zh-TW" altLang="en-US" dirty="0" smtClean="0"/>
-              <a:t>提供大量與資料庫相關操作的方法</a:t>
-            </a:r>
-            <a:endParaRPr lang="en-US" altLang="zh-TW" dirty="0"/>
+              <a:t>模擬寫入資料庫的動作</a:t>
+            </a:r>
+            <a:endParaRPr lang="en-US" altLang="zh-TW" dirty="0" smtClean="0"/>
           </a:p>
         </p:txBody>
       </p:sp>
@@ -8085,7 +8252,213 @@
   <p:timing>
     <p:tnLst>
       <p:par>
-        <p:cTn xmlns:p14="http://schemas.microsoft.com/office/powerpoint/2010/main" id="1" dur="indefinite" restart="never" nodeType="tmRoot"/>
+        <p:cTn xmlns:p14="http://schemas.microsoft.com/office/powerpoint/2010/main" id="1" dur="indefinite" restart="never" nodeType="tmRoot">
+          <p:childTnLst>
+            <p:seq concurrent="1" nextAc="seek">
+              <p:cTn id="2" dur="indefinite" nodeType="mainSeq">
+                <p:childTnLst>
+                  <p:par>
+                    <p:cTn id="3" fill="hold">
+                      <p:stCondLst>
+                        <p:cond delay="indefinite"/>
+                      </p:stCondLst>
+                      <p:childTnLst>
+                        <p:par>
+                          <p:cTn id="4" fill="hold">
+                            <p:stCondLst>
+                              <p:cond delay="0"/>
+                            </p:stCondLst>
+                            <p:childTnLst>
+                              <p:par>
+                                <p:cTn id="5" presetID="22" presetClass="entr" presetSubtype="4" fill="hold" nodeType="clickEffect">
+                                  <p:stCondLst>
+                                    <p:cond delay="0"/>
+                                  </p:stCondLst>
+                                  <p:childTnLst>
+                                    <p:set>
+                                      <p:cBhvr>
+                                        <p:cTn id="6" dur="1" fill="hold">
+                                          <p:stCondLst>
+                                            <p:cond delay="0"/>
+                                          </p:stCondLst>
+                                        </p:cTn>
+                                        <p:tgtEl>
+                                          <p:spTgt spid="3">
+                                            <p:txEl>
+                                              <p:pRg st="1" end="1"/>
+                                            </p:txEl>
+                                          </p:spTgt>
+                                        </p:tgtEl>
+                                        <p:attrNameLst>
+                                          <p:attrName>style.visibility</p:attrName>
+                                        </p:attrNameLst>
+                                      </p:cBhvr>
+                                      <p:to>
+                                        <p:strVal val="visible"/>
+                                      </p:to>
+                                    </p:set>
+                                    <p:animEffect transition="in" filter="wipe(down)">
+                                      <p:cBhvr>
+                                        <p:cTn id="7" dur="500"/>
+                                        <p:tgtEl>
+                                          <p:spTgt spid="3">
+                                            <p:txEl>
+                                              <p:pRg st="1" end="1"/>
+                                            </p:txEl>
+                                          </p:spTgt>
+                                        </p:tgtEl>
+                                      </p:cBhvr>
+                                    </p:animEffect>
+                                  </p:childTnLst>
+                                </p:cTn>
+                              </p:par>
+                            </p:childTnLst>
+                          </p:cTn>
+                        </p:par>
+                      </p:childTnLst>
+                    </p:cTn>
+                  </p:par>
+                  <p:par>
+                    <p:cTn id="8" fill="hold">
+                      <p:stCondLst>
+                        <p:cond delay="indefinite"/>
+                      </p:stCondLst>
+                      <p:childTnLst>
+                        <p:par>
+                          <p:cTn id="9" fill="hold">
+                            <p:stCondLst>
+                              <p:cond delay="0"/>
+                            </p:stCondLst>
+                            <p:childTnLst>
+                              <p:par>
+                                <p:cTn id="10" presetID="22" presetClass="entr" presetSubtype="4" fill="hold" nodeType="clickEffect">
+                                  <p:stCondLst>
+                                    <p:cond delay="0"/>
+                                  </p:stCondLst>
+                                  <p:childTnLst>
+                                    <p:set>
+                                      <p:cBhvr>
+                                        <p:cTn id="11" dur="1" fill="hold">
+                                          <p:stCondLst>
+                                            <p:cond delay="0"/>
+                                          </p:stCondLst>
+                                        </p:cTn>
+                                        <p:tgtEl>
+                                          <p:spTgt spid="3">
+                                            <p:txEl>
+                                              <p:pRg st="4" end="4"/>
+                                            </p:txEl>
+                                          </p:spTgt>
+                                        </p:tgtEl>
+                                        <p:attrNameLst>
+                                          <p:attrName>style.visibility</p:attrName>
+                                        </p:attrNameLst>
+                                      </p:cBhvr>
+                                      <p:to>
+                                        <p:strVal val="visible"/>
+                                      </p:to>
+                                    </p:set>
+                                    <p:animEffect transition="in" filter="wipe(down)">
+                                      <p:cBhvr>
+                                        <p:cTn id="12" dur="500"/>
+                                        <p:tgtEl>
+                                          <p:spTgt spid="3">
+                                            <p:txEl>
+                                              <p:pRg st="4" end="4"/>
+                                            </p:txEl>
+                                          </p:spTgt>
+                                        </p:tgtEl>
+                                      </p:cBhvr>
+                                    </p:animEffect>
+                                  </p:childTnLst>
+                                </p:cTn>
+                              </p:par>
+                            </p:childTnLst>
+                          </p:cTn>
+                        </p:par>
+                      </p:childTnLst>
+                    </p:cTn>
+                  </p:par>
+                  <p:par>
+                    <p:cTn id="13" fill="hold">
+                      <p:stCondLst>
+                        <p:cond delay="indefinite"/>
+                      </p:stCondLst>
+                      <p:childTnLst>
+                        <p:par>
+                          <p:cTn id="14" fill="hold">
+                            <p:stCondLst>
+                              <p:cond delay="0"/>
+                            </p:stCondLst>
+                            <p:childTnLst>
+                              <p:par>
+                                <p:cTn id="15" presetID="22" presetClass="entr" presetSubtype="4" fill="hold" nodeType="clickEffect">
+                                  <p:stCondLst>
+                                    <p:cond delay="0"/>
+                                  </p:stCondLst>
+                                  <p:childTnLst>
+                                    <p:set>
+                                      <p:cBhvr>
+                                        <p:cTn id="16" dur="1" fill="hold">
+                                          <p:stCondLst>
+                                            <p:cond delay="0"/>
+                                          </p:stCondLst>
+                                        </p:cTn>
+                                        <p:tgtEl>
+                                          <p:spTgt spid="3">
+                                            <p:txEl>
+                                              <p:pRg st="7" end="7"/>
+                                            </p:txEl>
+                                          </p:spTgt>
+                                        </p:tgtEl>
+                                        <p:attrNameLst>
+                                          <p:attrName>style.visibility</p:attrName>
+                                        </p:attrNameLst>
+                                      </p:cBhvr>
+                                      <p:to>
+                                        <p:strVal val="visible"/>
+                                      </p:to>
+                                    </p:set>
+                                    <p:animEffect transition="in" filter="wipe(down)">
+                                      <p:cBhvr>
+                                        <p:cTn id="17" dur="500"/>
+                                        <p:tgtEl>
+                                          <p:spTgt spid="3">
+                                            <p:txEl>
+                                              <p:pRg st="7" end="7"/>
+                                            </p:txEl>
+                                          </p:spTgt>
+                                        </p:tgtEl>
+                                      </p:cBhvr>
+                                    </p:animEffect>
+                                  </p:childTnLst>
+                                </p:cTn>
+                              </p:par>
+                            </p:childTnLst>
+                          </p:cTn>
+                        </p:par>
+                      </p:childTnLst>
+                    </p:cTn>
+                  </p:par>
+                </p:childTnLst>
+              </p:cTn>
+              <p:prevCondLst>
+                <p:cond evt="onPrev" delay="0">
+                  <p:tgtEl>
+                    <p:sldTgt/>
+                  </p:tgtEl>
+                </p:cond>
+              </p:prevCondLst>
+              <p:nextCondLst>
+                <p:cond evt="onNext" delay="0">
+                  <p:tgtEl>
+                    <p:sldTgt/>
+                  </p:tgtEl>
+                </p:cond>
+              </p:nextCondLst>
+            </p:seq>
+          </p:childTnLst>
+        </p:cTn>
       </p:par>
     </p:tnLst>
   </p:timing>
@@ -8211,8 +8584,20 @@
             </a:r>
             <a:r>
               <a:rPr lang="en-US" altLang="zh-TW" dirty="0" smtClean="0"/>
-              <a:t>-all</a:t>
-            </a:r>
+              <a:t>-</a:t>
+            </a:r>
+            <a:r>
+              <a:rPr lang="en-US" altLang="zh-TW" dirty="0" smtClean="0"/>
+              <a:t>all</a:t>
+            </a:r>
+          </a:p>
+          <a:p>
+            <a:pPr lvl="1"/>
+            <a:r>
+              <a:rPr lang="en-US" altLang="zh-TW" dirty="0" err="1" smtClean="0"/>
+              <a:t>dbunit</a:t>
+            </a:r>
+            <a:endParaRPr lang="en-US" altLang="zh-TW" dirty="0" smtClean="0"/>
           </a:p>
         </p:txBody>
       </p:sp>
@@ -8764,12 +9149,25 @@
             <a:endParaRPr lang="en-US" altLang="zh-TW" dirty="0" smtClean="0"/>
           </a:p>
           <a:p>
+            <a:pPr lvl="2"/>
+            <a:r>
+              <a:rPr lang="en-US" altLang="zh-TW" dirty="0" smtClean="0"/>
+              <a:t>CLEAN_INSERT</a:t>
+            </a:r>
+          </a:p>
+          <a:p>
+            <a:pPr lvl="2"/>
+            <a:r>
+              <a:rPr lang="en-US" altLang="zh-TW" dirty="0" smtClean="0"/>
+              <a:t>UPDATE</a:t>
+            </a:r>
             <a:endParaRPr lang="en-US" altLang="zh-TW" dirty="0" smtClean="0"/>
           </a:p>
           <a:p>
-            <a:r>
-              <a:rPr lang="zh-TW" altLang="en-US" dirty="0" smtClean="0"/>
-              <a:t>語句</a:t>
+            <a:pPr lvl="2"/>
+            <a:r>
+              <a:rPr lang="en-US" altLang="zh-TW" dirty="0" smtClean="0"/>
+              <a:t>DELETE</a:t>
             </a:r>
             <a:endParaRPr lang="en-US" altLang="zh-TW" dirty="0" smtClean="0"/>
           </a:p>
@@ -8876,6 +9274,13 @@
   <p:clrMapOvr>
     <a:masterClrMapping/>
   </p:clrMapOvr>
+  <p:timing>
+    <p:tnLst>
+      <p:par>
+        <p:cTn xmlns:p14="http://schemas.microsoft.com/office/powerpoint/2010/main" id="1" dur="indefinite" restart="never" nodeType="tmRoot"/>
+      </p:par>
+    </p:tnLst>
+  </p:timing>
 </p:sld>
 </file>
 
